--- a/Presentations/CS834-Presentation 5.pptx
+++ b/Presentations/CS834-Presentation 5.pptx
@@ -9101,6 +9101,753 @@
 </file>
 
 <file path=ppt/diagrams/colors20.xml><?xml version="1.0" encoding="utf-8"?>
+<dgm:colorsDef xmlns:dgm="http://schemas.openxmlformats.org/drawingml/2006/diagram" xmlns:a="http://schemas.openxmlformats.org/drawingml/2006/main" uniqueId="urn:microsoft.com/office/officeart/2005/8/colors/accent1_2">
+  <dgm:title val=""/>
+  <dgm:desc val=""/>
+  <dgm:catLst>
+    <dgm:cat type="accent1" pri="11200"/>
+  </dgm:catLst>
+  <dgm:styleLbl name="node0">
+    <dgm:fillClrLst meth="repeat">
+      <a:schemeClr val="accent1"/>
+    </dgm:fillClrLst>
+    <dgm:linClrLst meth="repeat">
+      <a:schemeClr val="lt1"/>
+    </dgm:linClrLst>
+    <dgm:effectClrLst/>
+    <dgm:txLinClrLst/>
+    <dgm:txFillClrLst/>
+    <dgm:txEffectClrLst/>
+  </dgm:styleLbl>
+  <dgm:styleLbl name="alignNode1">
+    <dgm:fillClrLst meth="repeat">
+      <a:schemeClr val="accent1"/>
+    </dgm:fillClrLst>
+    <dgm:linClrLst meth="repeat">
+      <a:schemeClr val="accent1"/>
+    </dgm:linClrLst>
+    <dgm:effectClrLst/>
+    <dgm:txLinClrLst/>
+    <dgm:txFillClrLst/>
+    <dgm:txEffectClrLst/>
+  </dgm:styleLbl>
+  <dgm:styleLbl name="node1">
+    <dgm:fillClrLst meth="repeat">
+      <a:schemeClr val="accent1"/>
+    </dgm:fillClrLst>
+    <dgm:linClrLst meth="repeat">
+      <a:schemeClr val="lt1"/>
+    </dgm:linClrLst>
+    <dgm:effectClrLst/>
+    <dgm:txLinClrLst/>
+    <dgm:txFillClrLst/>
+    <dgm:txEffectClrLst/>
+  </dgm:styleLbl>
+  <dgm:styleLbl name="lnNode1">
+    <dgm:fillClrLst meth="repeat">
+      <a:schemeClr val="accent1"/>
+    </dgm:fillClrLst>
+    <dgm:linClrLst meth="repeat">
+      <a:schemeClr val="lt1"/>
+    </dgm:linClrLst>
+    <dgm:effectClrLst/>
+    <dgm:txLinClrLst/>
+    <dgm:txFillClrLst/>
+    <dgm:txEffectClrLst/>
+  </dgm:styleLbl>
+  <dgm:styleLbl name="vennNode1">
+    <dgm:fillClrLst meth="repeat">
+      <a:schemeClr val="accent1">
+        <a:alpha val="50000"/>
+      </a:schemeClr>
+    </dgm:fillClrLst>
+    <dgm:linClrLst meth="repeat">
+      <a:schemeClr val="lt1"/>
+    </dgm:linClrLst>
+    <dgm:effectClrLst/>
+    <dgm:txLinClrLst/>
+    <dgm:txFillClrLst/>
+    <dgm:txEffectClrLst/>
+  </dgm:styleLbl>
+  <dgm:styleLbl name="node2">
+    <dgm:fillClrLst meth="repeat">
+      <a:schemeClr val="accent1"/>
+    </dgm:fillClrLst>
+    <dgm:linClrLst meth="repeat">
+      <a:schemeClr val="lt1"/>
+    </dgm:linClrLst>
+    <dgm:effectClrLst/>
+    <dgm:txLinClrLst/>
+    <dgm:txFillClrLst/>
+    <dgm:txEffectClrLst/>
+  </dgm:styleLbl>
+  <dgm:styleLbl name="node3">
+    <dgm:fillClrLst meth="repeat">
+      <a:schemeClr val="accent1"/>
+    </dgm:fillClrLst>
+    <dgm:linClrLst meth="repeat">
+      <a:schemeClr val="lt1"/>
+    </dgm:linClrLst>
+    <dgm:effectClrLst/>
+    <dgm:txLinClrLst/>
+    <dgm:txFillClrLst/>
+    <dgm:txEffectClrLst/>
+  </dgm:styleLbl>
+  <dgm:styleLbl name="node4">
+    <dgm:fillClrLst meth="repeat">
+      <a:schemeClr val="accent1"/>
+    </dgm:fillClrLst>
+    <dgm:linClrLst meth="repeat">
+      <a:schemeClr val="lt1"/>
+    </dgm:linClrLst>
+    <dgm:effectClrLst/>
+    <dgm:txLinClrLst/>
+    <dgm:txFillClrLst/>
+    <dgm:txEffectClrLst/>
+  </dgm:styleLbl>
+  <dgm:styleLbl name="fgImgPlace1">
+    <dgm:fillClrLst meth="repeat">
+      <a:schemeClr val="accent1">
+        <a:tint val="50000"/>
+      </a:schemeClr>
+    </dgm:fillClrLst>
+    <dgm:linClrLst meth="repeat">
+      <a:schemeClr val="lt1"/>
+    </dgm:linClrLst>
+    <dgm:effectClrLst/>
+    <dgm:txLinClrLst/>
+    <dgm:txFillClrLst meth="repeat">
+      <a:schemeClr val="lt1"/>
+    </dgm:txFillClrLst>
+    <dgm:txEffectClrLst/>
+  </dgm:styleLbl>
+  <dgm:styleLbl name="alignImgPlace1">
+    <dgm:fillClrLst meth="repeat">
+      <a:schemeClr val="accent1">
+        <a:tint val="50000"/>
+      </a:schemeClr>
+    </dgm:fillClrLst>
+    <dgm:linClrLst meth="repeat">
+      <a:schemeClr val="lt1"/>
+    </dgm:linClrLst>
+    <dgm:effectClrLst/>
+    <dgm:txLinClrLst/>
+    <dgm:txFillClrLst meth="repeat">
+      <a:schemeClr val="lt1"/>
+    </dgm:txFillClrLst>
+    <dgm:txEffectClrLst/>
+  </dgm:styleLbl>
+  <dgm:styleLbl name="bgImgPlace1">
+    <dgm:fillClrLst meth="repeat">
+      <a:schemeClr val="accent1">
+        <a:tint val="50000"/>
+      </a:schemeClr>
+    </dgm:fillClrLst>
+    <dgm:linClrLst meth="repeat">
+      <a:schemeClr val="lt1"/>
+    </dgm:linClrLst>
+    <dgm:effectClrLst/>
+    <dgm:txLinClrLst/>
+    <dgm:txFillClrLst meth="repeat">
+      <a:schemeClr val="lt1"/>
+    </dgm:txFillClrLst>
+    <dgm:txEffectClrLst/>
+  </dgm:styleLbl>
+  <dgm:styleLbl name="sibTrans2D1">
+    <dgm:fillClrLst meth="repeat">
+      <a:schemeClr val="accent1">
+        <a:tint val="60000"/>
+      </a:schemeClr>
+    </dgm:fillClrLst>
+    <dgm:linClrLst meth="repeat">
+      <a:schemeClr val="accent1">
+        <a:tint val="60000"/>
+      </a:schemeClr>
+    </dgm:linClrLst>
+    <dgm:effectClrLst/>
+    <dgm:txLinClrLst/>
+    <dgm:txFillClrLst/>
+    <dgm:txEffectClrLst/>
+  </dgm:styleLbl>
+  <dgm:styleLbl name="fgSibTrans2D1">
+    <dgm:fillClrLst meth="repeat">
+      <a:schemeClr val="accent1">
+        <a:tint val="60000"/>
+      </a:schemeClr>
+    </dgm:fillClrLst>
+    <dgm:linClrLst meth="repeat">
+      <a:schemeClr val="accent1">
+        <a:tint val="60000"/>
+      </a:schemeClr>
+    </dgm:linClrLst>
+    <dgm:effectClrLst/>
+    <dgm:txLinClrLst/>
+    <dgm:txFillClrLst/>
+    <dgm:txEffectClrLst/>
+  </dgm:styleLbl>
+  <dgm:styleLbl name="bgSibTrans2D1">
+    <dgm:fillClrLst meth="repeat">
+      <a:schemeClr val="accent1">
+        <a:tint val="60000"/>
+      </a:schemeClr>
+    </dgm:fillClrLst>
+    <dgm:linClrLst meth="repeat">
+      <a:schemeClr val="accent1">
+        <a:tint val="60000"/>
+      </a:schemeClr>
+    </dgm:linClrLst>
+    <dgm:effectClrLst/>
+    <dgm:txLinClrLst/>
+    <dgm:txFillClrLst/>
+    <dgm:txEffectClrLst/>
+  </dgm:styleLbl>
+  <dgm:styleLbl name="sibTrans1D1">
+    <dgm:fillClrLst meth="repeat">
+      <a:schemeClr val="accent1"/>
+    </dgm:fillClrLst>
+    <dgm:linClrLst meth="repeat">
+      <a:schemeClr val="accent1"/>
+    </dgm:linClrLst>
+    <dgm:effectClrLst/>
+    <dgm:txLinClrLst/>
+    <dgm:txFillClrLst meth="repeat">
+      <a:schemeClr val="tx1"/>
+    </dgm:txFillClrLst>
+    <dgm:txEffectClrLst/>
+  </dgm:styleLbl>
+  <dgm:styleLbl name="callout">
+    <dgm:fillClrLst meth="repeat">
+      <a:schemeClr val="accent1"/>
+    </dgm:fillClrLst>
+    <dgm:linClrLst meth="repeat">
+      <a:schemeClr val="accent1">
+        <a:tint val="50000"/>
+      </a:schemeClr>
+    </dgm:linClrLst>
+    <dgm:effectClrLst/>
+    <dgm:txLinClrLst/>
+    <dgm:txFillClrLst meth="repeat">
+      <a:schemeClr val="tx1"/>
+    </dgm:txFillClrLst>
+    <dgm:txEffectClrLst/>
+  </dgm:styleLbl>
+  <dgm:styleLbl name="asst0">
+    <dgm:fillClrLst meth="repeat">
+      <a:schemeClr val="accent1"/>
+    </dgm:fillClrLst>
+    <dgm:linClrLst meth="repeat">
+      <a:schemeClr val="lt1"/>
+    </dgm:linClrLst>
+    <dgm:effectClrLst/>
+    <dgm:txLinClrLst/>
+    <dgm:txFillClrLst/>
+    <dgm:txEffectClrLst/>
+  </dgm:styleLbl>
+  <dgm:styleLbl name="asst1">
+    <dgm:fillClrLst meth="repeat">
+      <a:schemeClr val="accent1"/>
+    </dgm:fillClrLst>
+    <dgm:linClrLst meth="repeat">
+      <a:schemeClr val="lt1"/>
+    </dgm:linClrLst>
+    <dgm:effectClrLst/>
+    <dgm:txLinClrLst/>
+    <dgm:txFillClrLst/>
+    <dgm:txEffectClrLst/>
+  </dgm:styleLbl>
+  <dgm:styleLbl name="asst2">
+    <dgm:fillClrLst meth="repeat">
+      <a:schemeClr val="accent1"/>
+    </dgm:fillClrLst>
+    <dgm:linClrLst meth="repeat">
+      <a:schemeClr val="lt1"/>
+    </dgm:linClrLst>
+    <dgm:effectClrLst/>
+    <dgm:txLinClrLst/>
+    <dgm:txFillClrLst/>
+    <dgm:txEffectClrLst/>
+  </dgm:styleLbl>
+  <dgm:styleLbl name="asst3">
+    <dgm:fillClrLst meth="repeat">
+      <a:schemeClr val="accent1"/>
+    </dgm:fillClrLst>
+    <dgm:linClrLst meth="repeat">
+      <a:schemeClr val="lt1"/>
+    </dgm:linClrLst>
+    <dgm:effectClrLst/>
+    <dgm:txLinClrLst/>
+    <dgm:txFillClrLst/>
+    <dgm:txEffectClrLst/>
+  </dgm:styleLbl>
+  <dgm:styleLbl name="asst4">
+    <dgm:fillClrLst meth="repeat">
+      <a:schemeClr val="accent1"/>
+    </dgm:fillClrLst>
+    <dgm:linClrLst meth="repeat">
+      <a:schemeClr val="lt1"/>
+    </dgm:linClrLst>
+    <dgm:effectClrLst/>
+    <dgm:txLinClrLst/>
+    <dgm:txFillClrLst/>
+    <dgm:txEffectClrLst/>
+  </dgm:styleLbl>
+  <dgm:styleLbl name="parChTrans2D1">
+    <dgm:fillClrLst meth="repeat">
+      <a:schemeClr val="accent1">
+        <a:tint val="60000"/>
+      </a:schemeClr>
+    </dgm:fillClrLst>
+    <dgm:linClrLst meth="repeat">
+      <a:schemeClr val="accent1">
+        <a:tint val="60000"/>
+      </a:schemeClr>
+    </dgm:linClrLst>
+    <dgm:effectClrLst/>
+    <dgm:txLinClrLst/>
+    <dgm:txFillClrLst meth="repeat">
+      <a:schemeClr val="lt1"/>
+    </dgm:txFillClrLst>
+    <dgm:txEffectClrLst/>
+  </dgm:styleLbl>
+  <dgm:styleLbl name="parChTrans2D2">
+    <dgm:fillClrLst meth="repeat">
+      <a:schemeClr val="accent1"/>
+    </dgm:fillClrLst>
+    <dgm:linClrLst meth="repeat">
+      <a:schemeClr val="accent1"/>
+    </dgm:linClrLst>
+    <dgm:effectClrLst/>
+    <dgm:txLinClrLst/>
+    <dgm:txFillClrLst meth="repeat">
+      <a:schemeClr val="lt1"/>
+    </dgm:txFillClrLst>
+    <dgm:txEffectClrLst/>
+  </dgm:styleLbl>
+  <dgm:styleLbl name="parChTrans2D3">
+    <dgm:fillClrLst meth="repeat">
+      <a:schemeClr val="accent1"/>
+    </dgm:fillClrLst>
+    <dgm:linClrLst meth="repeat">
+      <a:schemeClr val="accent1"/>
+    </dgm:linClrLst>
+    <dgm:effectClrLst/>
+    <dgm:txLinClrLst/>
+    <dgm:txFillClrLst meth="repeat">
+      <a:schemeClr val="lt1"/>
+    </dgm:txFillClrLst>
+    <dgm:txEffectClrLst/>
+  </dgm:styleLbl>
+  <dgm:styleLbl name="parChTrans2D4">
+    <dgm:fillClrLst meth="repeat">
+      <a:schemeClr val="accent1"/>
+    </dgm:fillClrLst>
+    <dgm:linClrLst meth="repeat">
+      <a:schemeClr val="accent1"/>
+    </dgm:linClrLst>
+    <dgm:effectClrLst/>
+    <dgm:txLinClrLst/>
+    <dgm:txFillClrLst meth="repeat">
+      <a:schemeClr val="lt1"/>
+    </dgm:txFillClrLst>
+    <dgm:txEffectClrLst/>
+  </dgm:styleLbl>
+  <dgm:styleLbl name="parChTrans1D1">
+    <dgm:fillClrLst meth="repeat">
+      <a:schemeClr val="accent1"/>
+    </dgm:fillClrLst>
+    <dgm:linClrLst meth="repeat">
+      <a:schemeClr val="accent1">
+        <a:shade val="60000"/>
+      </a:schemeClr>
+    </dgm:linClrLst>
+    <dgm:effectClrLst/>
+    <dgm:txLinClrLst/>
+    <dgm:txFillClrLst meth="repeat">
+      <a:schemeClr val="tx1"/>
+    </dgm:txFillClrLst>
+    <dgm:txEffectClrLst/>
+  </dgm:styleLbl>
+  <dgm:styleLbl name="parChTrans1D2">
+    <dgm:fillClrLst meth="repeat">
+      <a:schemeClr val="accent1"/>
+    </dgm:fillClrLst>
+    <dgm:linClrLst meth="repeat">
+      <a:schemeClr val="accent1">
+        <a:shade val="60000"/>
+      </a:schemeClr>
+    </dgm:linClrLst>
+    <dgm:effectClrLst/>
+    <dgm:txLinClrLst/>
+    <dgm:txFillClrLst meth="repeat">
+      <a:schemeClr val="tx1"/>
+    </dgm:txFillClrLst>
+    <dgm:txEffectClrLst/>
+  </dgm:styleLbl>
+  <dgm:styleLbl name="parChTrans1D3">
+    <dgm:fillClrLst meth="repeat">
+      <a:schemeClr val="accent1"/>
+    </dgm:fillClrLst>
+    <dgm:linClrLst meth="repeat">
+      <a:schemeClr val="accent1">
+        <a:shade val="80000"/>
+      </a:schemeClr>
+    </dgm:linClrLst>
+    <dgm:effectClrLst/>
+    <dgm:txLinClrLst/>
+    <dgm:txFillClrLst meth="repeat">
+      <a:schemeClr val="tx1"/>
+    </dgm:txFillClrLst>
+    <dgm:txEffectClrLst/>
+  </dgm:styleLbl>
+  <dgm:styleLbl name="parChTrans1D4">
+    <dgm:fillClrLst meth="repeat">
+      <a:schemeClr val="accent1"/>
+    </dgm:fillClrLst>
+    <dgm:linClrLst meth="repeat">
+      <a:schemeClr val="accent1">
+        <a:shade val="80000"/>
+      </a:schemeClr>
+    </dgm:linClrLst>
+    <dgm:effectClrLst/>
+    <dgm:txLinClrLst/>
+    <dgm:txFillClrLst meth="repeat">
+      <a:schemeClr val="tx1"/>
+    </dgm:txFillClrLst>
+    <dgm:txEffectClrLst/>
+  </dgm:styleLbl>
+  <dgm:styleLbl name="fgAcc1">
+    <dgm:fillClrLst meth="repeat">
+      <a:schemeClr val="lt1">
+        <a:alpha val="90000"/>
+      </a:schemeClr>
+    </dgm:fillClrLst>
+    <dgm:linClrLst meth="repeat">
+      <a:schemeClr val="accent1"/>
+    </dgm:linClrLst>
+    <dgm:effectClrLst/>
+    <dgm:txLinClrLst/>
+    <dgm:txFillClrLst meth="repeat">
+      <a:schemeClr val="dk1"/>
+    </dgm:txFillClrLst>
+    <dgm:txEffectClrLst/>
+  </dgm:styleLbl>
+  <dgm:styleLbl name="conFgAcc1">
+    <dgm:fillClrLst meth="repeat">
+      <a:schemeClr val="lt1">
+        <a:alpha val="90000"/>
+      </a:schemeClr>
+    </dgm:fillClrLst>
+    <dgm:linClrLst meth="repeat">
+      <a:schemeClr val="accent1"/>
+    </dgm:linClrLst>
+    <dgm:effectClrLst/>
+    <dgm:txLinClrLst/>
+    <dgm:txFillClrLst meth="repeat">
+      <a:schemeClr val="dk1"/>
+    </dgm:txFillClrLst>
+    <dgm:txEffectClrLst/>
+  </dgm:styleLbl>
+  <dgm:styleLbl name="alignAcc1">
+    <dgm:fillClrLst meth="repeat">
+      <a:schemeClr val="lt1">
+        <a:alpha val="90000"/>
+      </a:schemeClr>
+    </dgm:fillClrLst>
+    <dgm:linClrLst meth="repeat">
+      <a:schemeClr val="accent1"/>
+    </dgm:linClrLst>
+    <dgm:effectClrLst/>
+    <dgm:txLinClrLst/>
+    <dgm:txFillClrLst meth="repeat">
+      <a:schemeClr val="dk1"/>
+    </dgm:txFillClrLst>
+    <dgm:txEffectClrLst/>
+  </dgm:styleLbl>
+  <dgm:styleLbl name="trAlignAcc1">
+    <dgm:fillClrLst meth="repeat">
+      <a:schemeClr val="lt1">
+        <a:alpha val="40000"/>
+      </a:schemeClr>
+    </dgm:fillClrLst>
+    <dgm:linClrLst meth="repeat">
+      <a:schemeClr val="accent1"/>
+    </dgm:linClrLst>
+    <dgm:effectClrLst/>
+    <dgm:txLinClrLst/>
+    <dgm:txFillClrLst meth="repeat">
+      <a:schemeClr val="dk1"/>
+    </dgm:txFillClrLst>
+    <dgm:txEffectClrLst/>
+  </dgm:styleLbl>
+  <dgm:styleLbl name="bgAcc1">
+    <dgm:fillClrLst meth="repeat">
+      <a:schemeClr val="lt1">
+        <a:alpha val="90000"/>
+      </a:schemeClr>
+    </dgm:fillClrLst>
+    <dgm:linClrLst meth="repeat">
+      <a:schemeClr val="accent1"/>
+    </dgm:linClrLst>
+    <dgm:effectClrLst/>
+    <dgm:txLinClrLst/>
+    <dgm:txFillClrLst meth="repeat">
+      <a:schemeClr val="dk1"/>
+    </dgm:txFillClrLst>
+    <dgm:txEffectClrLst/>
+  </dgm:styleLbl>
+  <dgm:styleLbl name="solidFgAcc1">
+    <dgm:fillClrLst meth="repeat">
+      <a:schemeClr val="lt1"/>
+    </dgm:fillClrLst>
+    <dgm:linClrLst meth="repeat">
+      <a:schemeClr val="accent1"/>
+    </dgm:linClrLst>
+    <dgm:effectClrLst/>
+    <dgm:txLinClrLst/>
+    <dgm:txFillClrLst meth="repeat">
+      <a:schemeClr val="dk1"/>
+    </dgm:txFillClrLst>
+    <dgm:txEffectClrLst/>
+  </dgm:styleLbl>
+  <dgm:styleLbl name="solidAlignAcc1">
+    <dgm:fillClrLst meth="repeat">
+      <a:schemeClr val="lt1"/>
+    </dgm:fillClrLst>
+    <dgm:linClrLst meth="repeat">
+      <a:schemeClr val="accent1"/>
+    </dgm:linClrLst>
+    <dgm:effectClrLst/>
+    <dgm:txLinClrLst/>
+    <dgm:txFillClrLst meth="repeat">
+      <a:schemeClr val="dk1"/>
+    </dgm:txFillClrLst>
+    <dgm:txEffectClrLst/>
+  </dgm:styleLbl>
+  <dgm:styleLbl name="solidBgAcc1">
+    <dgm:fillClrLst meth="repeat">
+      <a:schemeClr val="lt1"/>
+    </dgm:fillClrLst>
+    <dgm:linClrLst meth="repeat">
+      <a:schemeClr val="accent1"/>
+    </dgm:linClrLst>
+    <dgm:effectClrLst/>
+    <dgm:txLinClrLst/>
+    <dgm:txFillClrLst meth="repeat">
+      <a:schemeClr val="dk1"/>
+    </dgm:txFillClrLst>
+    <dgm:txEffectClrLst/>
+  </dgm:styleLbl>
+  <dgm:styleLbl name="fgAccFollowNode1">
+    <dgm:fillClrLst meth="repeat">
+      <a:schemeClr val="accent1">
+        <a:alpha val="90000"/>
+        <a:tint val="40000"/>
+      </a:schemeClr>
+    </dgm:fillClrLst>
+    <dgm:linClrLst meth="repeat">
+      <a:schemeClr val="accent1">
+        <a:alpha val="90000"/>
+        <a:tint val="40000"/>
+      </a:schemeClr>
+    </dgm:linClrLst>
+    <dgm:effectClrLst/>
+    <dgm:txLinClrLst/>
+    <dgm:txFillClrLst meth="repeat">
+      <a:schemeClr val="dk1"/>
+    </dgm:txFillClrLst>
+    <dgm:txEffectClrLst/>
+  </dgm:styleLbl>
+  <dgm:styleLbl name="alignAccFollowNode1">
+    <dgm:fillClrLst meth="repeat">
+      <a:schemeClr val="accent1">
+        <a:alpha val="90000"/>
+        <a:tint val="40000"/>
+      </a:schemeClr>
+    </dgm:fillClrLst>
+    <dgm:linClrLst meth="repeat">
+      <a:schemeClr val="accent1">
+        <a:alpha val="90000"/>
+        <a:tint val="40000"/>
+      </a:schemeClr>
+    </dgm:linClrLst>
+    <dgm:effectClrLst/>
+    <dgm:txLinClrLst/>
+    <dgm:txFillClrLst meth="repeat">
+      <a:schemeClr val="dk1"/>
+    </dgm:txFillClrLst>
+    <dgm:txEffectClrLst/>
+  </dgm:styleLbl>
+  <dgm:styleLbl name="bgAccFollowNode1">
+    <dgm:fillClrLst meth="repeat">
+      <a:schemeClr val="accent1">
+        <a:alpha val="90000"/>
+        <a:tint val="40000"/>
+      </a:schemeClr>
+    </dgm:fillClrLst>
+    <dgm:linClrLst meth="repeat">
+      <a:schemeClr val="accent1">
+        <a:alpha val="90000"/>
+        <a:tint val="40000"/>
+      </a:schemeClr>
+    </dgm:linClrLst>
+    <dgm:effectClrLst/>
+    <dgm:txLinClrLst/>
+    <dgm:txFillClrLst meth="repeat">
+      <a:schemeClr val="dk1"/>
+    </dgm:txFillClrLst>
+    <dgm:txEffectClrLst/>
+  </dgm:styleLbl>
+  <dgm:styleLbl name="fgAcc0">
+    <dgm:fillClrLst meth="repeat">
+      <a:schemeClr val="lt1">
+        <a:alpha val="90000"/>
+      </a:schemeClr>
+    </dgm:fillClrLst>
+    <dgm:linClrLst meth="repeat">
+      <a:schemeClr val="accent1"/>
+    </dgm:linClrLst>
+    <dgm:effectClrLst/>
+    <dgm:txLinClrLst/>
+    <dgm:txFillClrLst meth="repeat">
+      <a:schemeClr val="dk1"/>
+    </dgm:txFillClrLst>
+    <dgm:txEffectClrLst/>
+  </dgm:styleLbl>
+  <dgm:styleLbl name="fgAcc2">
+    <dgm:fillClrLst meth="repeat">
+      <a:schemeClr val="lt1">
+        <a:alpha val="90000"/>
+      </a:schemeClr>
+    </dgm:fillClrLst>
+    <dgm:linClrLst meth="repeat">
+      <a:schemeClr val="accent1"/>
+    </dgm:linClrLst>
+    <dgm:effectClrLst/>
+    <dgm:txLinClrLst/>
+    <dgm:txFillClrLst meth="repeat">
+      <a:schemeClr val="dk1"/>
+    </dgm:txFillClrLst>
+    <dgm:txEffectClrLst/>
+  </dgm:styleLbl>
+  <dgm:styleLbl name="fgAcc3">
+    <dgm:fillClrLst meth="repeat">
+      <a:schemeClr val="lt1">
+        <a:alpha val="90000"/>
+      </a:schemeClr>
+    </dgm:fillClrLst>
+    <dgm:linClrLst meth="repeat">
+      <a:schemeClr val="accent1"/>
+    </dgm:linClrLst>
+    <dgm:effectClrLst/>
+    <dgm:txLinClrLst/>
+    <dgm:txFillClrLst meth="repeat">
+      <a:schemeClr val="dk1"/>
+    </dgm:txFillClrLst>
+    <dgm:txEffectClrLst/>
+  </dgm:styleLbl>
+  <dgm:styleLbl name="fgAcc4">
+    <dgm:fillClrLst meth="repeat">
+      <a:schemeClr val="lt1">
+        <a:alpha val="90000"/>
+      </a:schemeClr>
+    </dgm:fillClrLst>
+    <dgm:linClrLst meth="repeat">
+      <a:schemeClr val="accent1"/>
+    </dgm:linClrLst>
+    <dgm:effectClrLst/>
+    <dgm:txLinClrLst/>
+    <dgm:txFillClrLst meth="repeat">
+      <a:schemeClr val="dk1"/>
+    </dgm:txFillClrLst>
+    <dgm:txEffectClrLst/>
+  </dgm:styleLbl>
+  <dgm:styleLbl name="bgShp">
+    <dgm:fillClrLst meth="repeat">
+      <a:schemeClr val="accent1">
+        <a:tint val="40000"/>
+      </a:schemeClr>
+    </dgm:fillClrLst>
+    <dgm:linClrLst meth="repeat">
+      <a:schemeClr val="accent1"/>
+    </dgm:linClrLst>
+    <dgm:effectClrLst/>
+    <dgm:txLinClrLst/>
+    <dgm:txFillClrLst meth="repeat">
+      <a:schemeClr val="dk1"/>
+    </dgm:txFillClrLst>
+    <dgm:txEffectClrLst/>
+  </dgm:styleLbl>
+  <dgm:styleLbl name="dkBgShp">
+    <dgm:fillClrLst meth="repeat">
+      <a:schemeClr val="accent1">
+        <a:shade val="80000"/>
+      </a:schemeClr>
+    </dgm:fillClrLst>
+    <dgm:linClrLst meth="repeat">
+      <a:schemeClr val="accent1"/>
+    </dgm:linClrLst>
+    <dgm:effectClrLst/>
+    <dgm:txLinClrLst/>
+    <dgm:txFillClrLst meth="repeat">
+      <a:schemeClr val="lt1"/>
+    </dgm:txFillClrLst>
+    <dgm:txEffectClrLst/>
+  </dgm:styleLbl>
+  <dgm:styleLbl name="trBgShp">
+    <dgm:fillClrLst meth="repeat">
+      <a:schemeClr val="accent1">
+        <a:tint val="50000"/>
+        <a:alpha val="40000"/>
+      </a:schemeClr>
+    </dgm:fillClrLst>
+    <dgm:linClrLst meth="repeat">
+      <a:schemeClr val="accent1"/>
+    </dgm:linClrLst>
+    <dgm:effectClrLst/>
+    <dgm:txLinClrLst/>
+    <dgm:txFillClrLst meth="repeat">
+      <a:schemeClr val="lt1"/>
+    </dgm:txFillClrLst>
+    <dgm:txEffectClrLst/>
+  </dgm:styleLbl>
+  <dgm:styleLbl name="fgShp">
+    <dgm:fillClrLst meth="repeat">
+      <a:schemeClr val="accent1">
+        <a:tint val="60000"/>
+      </a:schemeClr>
+    </dgm:fillClrLst>
+    <dgm:linClrLst meth="repeat">
+      <a:schemeClr val="lt1"/>
+    </dgm:linClrLst>
+    <dgm:effectClrLst/>
+    <dgm:txLinClrLst/>
+    <dgm:txFillClrLst meth="repeat">
+      <a:schemeClr val="dk1"/>
+    </dgm:txFillClrLst>
+    <dgm:txEffectClrLst/>
+  </dgm:styleLbl>
+  <dgm:styleLbl name="revTx">
+    <dgm:fillClrLst meth="repeat">
+      <a:schemeClr val="lt1">
+        <a:alpha val="0"/>
+      </a:schemeClr>
+    </dgm:fillClrLst>
+    <dgm:linClrLst meth="repeat">
+      <a:schemeClr val="dk1">
+        <a:alpha val="0"/>
+      </a:schemeClr>
+    </dgm:linClrLst>
+    <dgm:effectClrLst/>
+    <dgm:txLinClrLst/>
+    <dgm:txFillClrLst meth="repeat">
+      <a:schemeClr val="tx1"/>
+    </dgm:txFillClrLst>
+    <dgm:txEffectClrLst/>
+  </dgm:styleLbl>
+</dgm:colorsDef>
+</file>
+
+<file path=ppt/diagrams/colors21.xml><?xml version="1.0" encoding="utf-8"?>
 <dgm:colorsDef xmlns:dgm="http://schemas.openxmlformats.org/drawingml/2006/diagram" xmlns:a="http://schemas.openxmlformats.org/drawingml/2006/main" uniqueId="urn:microsoft.com/office/officeart/2005/8/colors/accent1_2">
   <dgm:title val=""/>
   <dgm:desc val=""/>
@@ -16296,7 +17043,7 @@
 <file path=ppt/diagrams/data19.xml><?xml version="1.0" encoding="utf-8"?>
 <dgm:dataModel xmlns:dgm="http://schemas.openxmlformats.org/drawingml/2006/diagram" xmlns:a="http://schemas.openxmlformats.org/drawingml/2006/main">
   <dgm:ptLst>
-    <dgm:pt modelId="{C09813BA-6D3A-4249-955B-3127F1FC5F12}" type="doc">
+    <dgm:pt modelId="{C7D2FF1D-6FDC-42A7-A98F-FFB44B012FF7}" type="doc">
       <dgm:prSet loTypeId="urn:microsoft.com/office/officeart/2005/8/layout/vList2" loCatId="list" qsTypeId="urn:microsoft.com/office/officeart/2005/8/quickstyle/simple1" qsCatId="simple" csTypeId="urn:microsoft.com/office/officeart/2005/8/colors/accent1_2" csCatId="accent1" phldr="1"/>
       <dgm:spPr/>
       <dgm:t>
@@ -16307,7 +17054,7 @@
         </a:p>
       </dgm:t>
     </dgm:pt>
-    <dgm:pt modelId="{0FAA4CA6-8B38-4585-A2F8-DA54D5A09C2A}">
+    <dgm:pt modelId="{EE29E1F4-73BA-4346-8902-09867EB0D449}">
       <dgm:prSet/>
       <dgm:spPr/>
       <dgm:t>
@@ -16317,13 +17064,13 @@
           <a:pPr rtl="0"/>
           <a:r>
             <a:rPr lang="en-US" baseline="0" dirty="0" smtClean="0"/>
-            <a:t>Results: Answer Detection (Combined features)</a:t>
+            <a:t>Results: Answer Detection (Single features)</a:t>
           </a:r>
           <a:endParaRPr lang="en-US" dirty="0"/>
         </a:p>
       </dgm:t>
     </dgm:pt>
-    <dgm:pt modelId="{1EF402A5-1BDB-4F23-AE49-6D2F94172D2A}" type="parTrans" cxnId="{971852EA-30F1-4C6C-B651-ADAC27A3830A}">
+    <dgm:pt modelId="{417CDCF2-FC2F-412C-8F2F-0E7668A373B6}" type="parTrans" cxnId="{1B1A4F04-4977-4BFA-A5D0-6C36DC9E32FC}">
       <dgm:prSet/>
       <dgm:spPr/>
       <dgm:t>
@@ -16334,7 +17081,7 @@
         </a:p>
       </dgm:t>
     </dgm:pt>
-    <dgm:pt modelId="{C3AF58CA-BD6C-4244-8DE8-250522B766FA}" type="sibTrans" cxnId="{971852EA-30F1-4C6C-B651-ADAC27A3830A}">
+    <dgm:pt modelId="{03AFF289-0497-485A-AB1E-9770011C25DE}" type="sibTrans" cxnId="{1B1A4F04-4977-4BFA-A5D0-6C36DC9E32FC}">
       <dgm:prSet/>
       <dgm:spPr/>
       <dgm:t>
@@ -16345,24 +17092,17 @@
         </a:p>
       </dgm:t>
     </dgm:pt>
-    <dgm:pt modelId="{B9D61A03-FE64-461B-AB04-7602109E59C4}" type="pres">
-      <dgm:prSet presAssocID="{C09813BA-6D3A-4249-955B-3127F1FC5F12}" presName="linear" presStyleCnt="0">
+    <dgm:pt modelId="{96E24F36-8AF2-480F-A1A4-CB26E5E64588}" type="pres">
+      <dgm:prSet presAssocID="{C7D2FF1D-6FDC-42A7-A98F-FFB44B012FF7}" presName="linear" presStyleCnt="0">
         <dgm:presLayoutVars>
           <dgm:animLvl val="lvl"/>
           <dgm:resizeHandles val="exact"/>
         </dgm:presLayoutVars>
       </dgm:prSet>
       <dgm:spPr/>
-      <dgm:t>
-        <a:bodyPr/>
-        <a:lstStyle/>
-        <a:p>
-          <a:endParaRPr lang="en-US"/>
-        </a:p>
-      </dgm:t>
     </dgm:pt>
-    <dgm:pt modelId="{67666746-5678-4687-BCA2-C9C136E0F707}" type="pres">
-      <dgm:prSet presAssocID="{0FAA4CA6-8B38-4585-A2F8-DA54D5A09C2A}" presName="parentText" presStyleLbl="node1" presStyleIdx="0" presStyleCnt="1">
+    <dgm:pt modelId="{FC0A4DFA-A44C-4D13-B1B6-02D543FE1EAE}" type="pres">
+      <dgm:prSet presAssocID="{EE29E1F4-73BA-4346-8902-09867EB0D449}" presName="parentText" presStyleLbl="node1" presStyleIdx="0" presStyleCnt="1">
         <dgm:presLayoutVars>
           <dgm:chMax val="0"/>
           <dgm:bulletEnabled val="1"/>
@@ -16379,10 +17119,10 @@
     </dgm:pt>
   </dgm:ptLst>
   <dgm:cxnLst>
-    <dgm:cxn modelId="{A03E6D3B-DF60-4A23-A5B8-D1EFC5C462FD}" type="presOf" srcId="{0FAA4CA6-8B38-4585-A2F8-DA54D5A09C2A}" destId="{67666746-5678-4687-BCA2-C9C136E0F707}" srcOrd="0" destOrd="0" presId="urn:microsoft.com/office/officeart/2005/8/layout/vList2"/>
-    <dgm:cxn modelId="{971852EA-30F1-4C6C-B651-ADAC27A3830A}" srcId="{C09813BA-6D3A-4249-955B-3127F1FC5F12}" destId="{0FAA4CA6-8B38-4585-A2F8-DA54D5A09C2A}" srcOrd="0" destOrd="0" parTransId="{1EF402A5-1BDB-4F23-AE49-6D2F94172D2A}" sibTransId="{C3AF58CA-BD6C-4244-8DE8-250522B766FA}"/>
-    <dgm:cxn modelId="{36F19C70-1CE5-4E63-A30C-DA351A112765}" type="presOf" srcId="{C09813BA-6D3A-4249-955B-3127F1FC5F12}" destId="{B9D61A03-FE64-461B-AB04-7602109E59C4}" srcOrd="0" destOrd="0" presId="urn:microsoft.com/office/officeart/2005/8/layout/vList2"/>
-    <dgm:cxn modelId="{BE6C4B91-7FD3-4B1D-BF7E-2DC873D67B17}" type="presParOf" srcId="{B9D61A03-FE64-461B-AB04-7602109E59C4}" destId="{67666746-5678-4687-BCA2-C9C136E0F707}" srcOrd="0" destOrd="0" presId="urn:microsoft.com/office/officeart/2005/8/layout/vList2"/>
+    <dgm:cxn modelId="{1B1A4F04-4977-4BFA-A5D0-6C36DC9E32FC}" srcId="{C7D2FF1D-6FDC-42A7-A98F-FFB44B012FF7}" destId="{EE29E1F4-73BA-4346-8902-09867EB0D449}" srcOrd="0" destOrd="0" parTransId="{417CDCF2-FC2F-412C-8F2F-0E7668A373B6}" sibTransId="{03AFF289-0497-485A-AB1E-9770011C25DE}"/>
+    <dgm:cxn modelId="{842764C5-8128-4CB5-BFD8-A3825CCD4BBB}" type="presOf" srcId="{EE29E1F4-73BA-4346-8902-09867EB0D449}" destId="{FC0A4DFA-A44C-4D13-B1B6-02D543FE1EAE}" srcOrd="0" destOrd="0" presId="urn:microsoft.com/office/officeart/2005/8/layout/vList2"/>
+    <dgm:cxn modelId="{D343F1DB-11D0-4768-951F-B730C4EC7AB6}" type="presOf" srcId="{C7D2FF1D-6FDC-42A7-A98F-FFB44B012FF7}" destId="{96E24F36-8AF2-480F-A1A4-CB26E5E64588}" srcOrd="0" destOrd="0" presId="urn:microsoft.com/office/officeart/2005/8/layout/vList2"/>
+    <dgm:cxn modelId="{5220340D-5B49-492F-B0D6-AD02F060E655}" type="presParOf" srcId="{96E24F36-8AF2-480F-A1A4-CB26E5E64588}" destId="{FC0A4DFA-A44C-4D13-B1B6-02D543FE1EAE}" srcOrd="0" destOrd="0" presId="urn:microsoft.com/office/officeart/2005/8/layout/vList2"/>
   </dgm:cxnLst>
   <dgm:bg/>
   <dgm:whole/>
@@ -16498,6 +17238,107 @@
 <file path=ppt/diagrams/data20.xml><?xml version="1.0" encoding="utf-8"?>
 <dgm:dataModel xmlns:dgm="http://schemas.openxmlformats.org/drawingml/2006/diagram" xmlns:a="http://schemas.openxmlformats.org/drawingml/2006/main">
   <dgm:ptLst>
+    <dgm:pt modelId="{C09813BA-6D3A-4249-955B-3127F1FC5F12}" type="doc">
+      <dgm:prSet loTypeId="urn:microsoft.com/office/officeart/2005/8/layout/vList2" loCatId="list" qsTypeId="urn:microsoft.com/office/officeart/2005/8/quickstyle/simple1" qsCatId="simple" csTypeId="urn:microsoft.com/office/officeart/2005/8/colors/accent1_2" csCatId="accent1" phldr="1"/>
+      <dgm:spPr/>
+      <dgm:t>
+        <a:bodyPr/>
+        <a:lstStyle/>
+        <a:p>
+          <a:endParaRPr lang="en-US"/>
+        </a:p>
+      </dgm:t>
+    </dgm:pt>
+    <dgm:pt modelId="{0FAA4CA6-8B38-4585-A2F8-DA54D5A09C2A}">
+      <dgm:prSet/>
+      <dgm:spPr/>
+      <dgm:t>
+        <a:bodyPr/>
+        <a:lstStyle/>
+        <a:p>
+          <a:pPr rtl="0"/>
+          <a:r>
+            <a:rPr lang="en-US" baseline="0" dirty="0" smtClean="0"/>
+            <a:t>Results: Answer Detection (Combined features)</a:t>
+          </a:r>
+          <a:endParaRPr lang="en-US" dirty="0"/>
+        </a:p>
+      </dgm:t>
+    </dgm:pt>
+    <dgm:pt modelId="{1EF402A5-1BDB-4F23-AE49-6D2F94172D2A}" type="parTrans" cxnId="{971852EA-30F1-4C6C-B651-ADAC27A3830A}">
+      <dgm:prSet/>
+      <dgm:spPr/>
+      <dgm:t>
+        <a:bodyPr/>
+        <a:lstStyle/>
+        <a:p>
+          <a:endParaRPr lang="en-US"/>
+        </a:p>
+      </dgm:t>
+    </dgm:pt>
+    <dgm:pt modelId="{C3AF58CA-BD6C-4244-8DE8-250522B766FA}" type="sibTrans" cxnId="{971852EA-30F1-4C6C-B651-ADAC27A3830A}">
+      <dgm:prSet/>
+      <dgm:spPr/>
+      <dgm:t>
+        <a:bodyPr/>
+        <a:lstStyle/>
+        <a:p>
+          <a:endParaRPr lang="en-US"/>
+        </a:p>
+      </dgm:t>
+    </dgm:pt>
+    <dgm:pt modelId="{B9D61A03-FE64-461B-AB04-7602109E59C4}" type="pres">
+      <dgm:prSet presAssocID="{C09813BA-6D3A-4249-955B-3127F1FC5F12}" presName="linear" presStyleCnt="0">
+        <dgm:presLayoutVars>
+          <dgm:animLvl val="lvl"/>
+          <dgm:resizeHandles val="exact"/>
+        </dgm:presLayoutVars>
+      </dgm:prSet>
+      <dgm:spPr/>
+      <dgm:t>
+        <a:bodyPr/>
+        <a:lstStyle/>
+        <a:p>
+          <a:endParaRPr lang="en-US"/>
+        </a:p>
+      </dgm:t>
+    </dgm:pt>
+    <dgm:pt modelId="{67666746-5678-4687-BCA2-C9C136E0F707}" type="pres">
+      <dgm:prSet presAssocID="{0FAA4CA6-8B38-4585-A2F8-DA54D5A09C2A}" presName="parentText" presStyleLbl="node1" presStyleIdx="0" presStyleCnt="1">
+        <dgm:presLayoutVars>
+          <dgm:chMax val="0"/>
+          <dgm:bulletEnabled val="1"/>
+        </dgm:presLayoutVars>
+      </dgm:prSet>
+      <dgm:spPr/>
+      <dgm:t>
+        <a:bodyPr/>
+        <a:lstStyle/>
+        <a:p>
+          <a:endParaRPr lang="en-US"/>
+        </a:p>
+      </dgm:t>
+    </dgm:pt>
+  </dgm:ptLst>
+  <dgm:cxnLst>
+    <dgm:cxn modelId="{A03E6D3B-DF60-4A23-A5B8-D1EFC5C462FD}" type="presOf" srcId="{0FAA4CA6-8B38-4585-A2F8-DA54D5A09C2A}" destId="{67666746-5678-4687-BCA2-C9C136E0F707}" srcOrd="0" destOrd="0" presId="urn:microsoft.com/office/officeart/2005/8/layout/vList2"/>
+    <dgm:cxn modelId="{971852EA-30F1-4C6C-B651-ADAC27A3830A}" srcId="{C09813BA-6D3A-4249-955B-3127F1FC5F12}" destId="{0FAA4CA6-8B38-4585-A2F8-DA54D5A09C2A}" srcOrd="0" destOrd="0" parTransId="{1EF402A5-1BDB-4F23-AE49-6D2F94172D2A}" sibTransId="{C3AF58CA-BD6C-4244-8DE8-250522B766FA}"/>
+    <dgm:cxn modelId="{36F19C70-1CE5-4E63-A30C-DA351A112765}" type="presOf" srcId="{C09813BA-6D3A-4249-955B-3127F1FC5F12}" destId="{B9D61A03-FE64-461B-AB04-7602109E59C4}" srcOrd="0" destOrd="0" presId="urn:microsoft.com/office/officeart/2005/8/layout/vList2"/>
+    <dgm:cxn modelId="{BE6C4B91-7FD3-4B1D-BF7E-2DC873D67B17}" type="presParOf" srcId="{B9D61A03-FE64-461B-AB04-7602109E59C4}" destId="{67666746-5678-4687-BCA2-C9C136E0F707}" srcOrd="0" destOrd="0" presId="urn:microsoft.com/office/officeart/2005/8/layout/vList2"/>
+  </dgm:cxnLst>
+  <dgm:bg/>
+  <dgm:whole/>
+  <dgm:extLst>
+    <a:ext uri="http://schemas.microsoft.com/office/drawing/2008/diagram">
+      <dsp:dataModelExt xmlns:dsp="http://schemas.microsoft.com/office/drawing/2008/diagram" relId="rId6" minVer="http://schemas.openxmlformats.org/drawingml/2006/diagram"/>
+    </a:ext>
+  </dgm:extLst>
+</dgm:dataModel>
+</file>
+
+<file path=ppt/diagrams/data21.xml><?xml version="1.0" encoding="utf-8"?>
+<dgm:dataModel xmlns:dgm="http://schemas.openxmlformats.org/drawingml/2006/diagram" xmlns:a="http://schemas.openxmlformats.org/drawingml/2006/main">
+  <dgm:ptLst>
     <dgm:pt modelId="{9746ABAC-BE31-47E5-8F57-32CCE61723D9}" type="doc">
       <dgm:prSet loTypeId="urn:microsoft.com/office/officeart/2005/8/layout/vList2" loCatId="list" qsTypeId="urn:microsoft.com/office/officeart/2005/8/quickstyle/simple1" qsCatId="simple" csTypeId="urn:microsoft.com/office/officeart/2005/8/colors/accent1_2" csCatId="accent1"/>
       <dgm:spPr/>
@@ -16571,6 +17412,13 @@
         </dgm:presLayoutVars>
       </dgm:prSet>
       <dgm:spPr/>
+      <dgm:t>
+        <a:bodyPr/>
+        <a:lstStyle/>
+        <a:p>
+          <a:endParaRPr lang="en-US"/>
+        </a:p>
+      </dgm:t>
     </dgm:pt>
     <dgm:pt modelId="{77D07D1B-2F86-4EEA-983B-38CDADE92D7D}" type="pres">
       <dgm:prSet presAssocID="{B679CB66-E80F-4861-88ED-BCF3F830F2FD}" presName="parentText" presStyleLbl="node1" presStyleIdx="0" presStyleCnt="1">
@@ -16580,6 +17428,13 @@
         </dgm:presLayoutVars>
       </dgm:prSet>
       <dgm:spPr/>
+      <dgm:t>
+        <a:bodyPr/>
+        <a:lstStyle/>
+        <a:p>
+          <a:endParaRPr lang="en-US"/>
+        </a:p>
+      </dgm:t>
     </dgm:pt>
   </dgm:ptLst>
   <dgm:cxnLst>
@@ -18434,15 +19289,15 @@
       <dsp:cNvGrpSpPr/>
     </dsp:nvGrpSpPr>
     <dsp:grpSpPr/>
-    <dsp:sp modelId="{67666746-5678-4687-BCA2-C9C136E0F707}">
+    <dsp:sp modelId="{FC0A4DFA-A44C-4D13-B1B6-02D543FE1EAE}">
       <dsp:nvSpPr>
         <dsp:cNvPr id="0" name=""/>
         <dsp:cNvSpPr/>
       </dsp:nvSpPr>
       <dsp:spPr>
         <a:xfrm>
-          <a:off x="0" y="257670"/>
-          <a:ext cx="10058399" cy="935415"/>
+          <a:off x="0" y="209701"/>
+          <a:ext cx="10058399" cy="1031354"/>
         </a:xfrm>
         <a:prstGeom prst="roundRect">
           <a:avLst/>
@@ -18483,12 +19338,12 @@
         </a:fontRef>
       </dsp:style>
       <dsp:txBody>
-        <a:bodyPr spcFirstLastPara="0" vert="horz" wrap="square" lIns="148590" tIns="148590" rIns="148590" bIns="148590" numCol="1" spcCol="1270" anchor="ctr" anchorCtr="0">
+        <a:bodyPr spcFirstLastPara="0" vert="horz" wrap="square" lIns="163830" tIns="163830" rIns="163830" bIns="163830" numCol="1" spcCol="1270" anchor="ctr" anchorCtr="0">
           <a:noAutofit/>
         </a:bodyPr>
         <a:lstStyle/>
         <a:p>
-          <a:pPr lvl="0" algn="l" defTabSz="1733550" rtl="0">
+          <a:pPr lvl="0" algn="l" defTabSz="1911350" rtl="0">
             <a:lnSpc>
               <a:spcPct val="90000"/>
             </a:lnSpc>
@@ -18500,15 +19355,15 @@
             </a:spcAft>
           </a:pPr>
           <a:r>
-            <a:rPr lang="en-US" sz="3900" kern="1200" baseline="0" dirty="0" smtClean="0"/>
-            <a:t>Results: Answer Detection (Combined features)</a:t>
+            <a:rPr lang="en-US" sz="4300" kern="1200" baseline="0" dirty="0" smtClean="0"/>
+            <a:t>Results: Answer Detection (Single features)</a:t>
           </a:r>
-          <a:endParaRPr lang="en-US" sz="3900" kern="1200" dirty="0"/>
+          <a:endParaRPr lang="en-US" sz="4300" kern="1200" dirty="0"/>
         </a:p>
       </dsp:txBody>
       <dsp:txXfrm>
-        <a:off x="45663" y="303333"/>
-        <a:ext cx="9967073" cy="844089"/>
+        <a:off x="50347" y="260048"/>
+        <a:ext cx="9957705" cy="930660"/>
       </dsp:txXfrm>
     </dsp:sp>
   </dsp:spTree>
@@ -18605,6 +19460,95 @@
 </file>
 
 <file path=ppt/diagrams/drawing20.xml><?xml version="1.0" encoding="utf-8"?>
+<dsp:drawing xmlns:dgm="http://schemas.openxmlformats.org/drawingml/2006/diagram" xmlns:dsp="http://schemas.microsoft.com/office/drawing/2008/diagram" xmlns:a="http://schemas.openxmlformats.org/drawingml/2006/main">
+  <dsp:spTree>
+    <dsp:nvGrpSpPr>
+      <dsp:cNvPr id="0" name=""/>
+      <dsp:cNvGrpSpPr/>
+    </dsp:nvGrpSpPr>
+    <dsp:grpSpPr/>
+    <dsp:sp modelId="{67666746-5678-4687-BCA2-C9C136E0F707}">
+      <dsp:nvSpPr>
+        <dsp:cNvPr id="0" name=""/>
+        <dsp:cNvSpPr/>
+      </dsp:nvSpPr>
+      <dsp:spPr>
+        <a:xfrm>
+          <a:off x="0" y="257670"/>
+          <a:ext cx="10058399" cy="935415"/>
+        </a:xfrm>
+        <a:prstGeom prst="roundRect">
+          <a:avLst/>
+        </a:prstGeom>
+        <a:solidFill>
+          <a:schemeClr val="accent1">
+            <a:hueOff val="0"/>
+            <a:satOff val="0"/>
+            <a:lumOff val="0"/>
+            <a:alphaOff val="0"/>
+          </a:schemeClr>
+        </a:solidFill>
+        <a:ln w="15875" cap="flat" cmpd="sng" algn="ctr">
+          <a:solidFill>
+            <a:schemeClr val="lt1">
+              <a:hueOff val="0"/>
+              <a:satOff val="0"/>
+              <a:lumOff val="0"/>
+              <a:alphaOff val="0"/>
+            </a:schemeClr>
+          </a:solidFill>
+          <a:prstDash val="solid"/>
+        </a:ln>
+        <a:effectLst/>
+      </dsp:spPr>
+      <dsp:style>
+        <a:lnRef idx="2">
+          <a:scrgbClr r="0" g="0" b="0"/>
+        </a:lnRef>
+        <a:fillRef idx="1">
+          <a:scrgbClr r="0" g="0" b="0"/>
+        </a:fillRef>
+        <a:effectRef idx="0">
+          <a:scrgbClr r="0" g="0" b="0"/>
+        </a:effectRef>
+        <a:fontRef idx="minor">
+          <a:schemeClr val="lt1"/>
+        </a:fontRef>
+      </dsp:style>
+      <dsp:txBody>
+        <a:bodyPr spcFirstLastPara="0" vert="horz" wrap="square" lIns="148590" tIns="148590" rIns="148590" bIns="148590" numCol="1" spcCol="1270" anchor="ctr" anchorCtr="0">
+          <a:noAutofit/>
+        </a:bodyPr>
+        <a:lstStyle/>
+        <a:p>
+          <a:pPr lvl="0" algn="l" defTabSz="1733550" rtl="0">
+            <a:lnSpc>
+              <a:spcPct val="90000"/>
+            </a:lnSpc>
+            <a:spcBef>
+              <a:spcPct val="0"/>
+            </a:spcBef>
+            <a:spcAft>
+              <a:spcPct val="35000"/>
+            </a:spcAft>
+          </a:pPr>
+          <a:r>
+            <a:rPr lang="en-US" sz="3900" kern="1200" baseline="0" dirty="0" smtClean="0"/>
+            <a:t>Results: Answer Detection (Combined features)</a:t>
+          </a:r>
+          <a:endParaRPr lang="en-US" sz="3900" kern="1200" dirty="0"/>
+        </a:p>
+      </dsp:txBody>
+      <dsp:txXfrm>
+        <a:off x="45663" y="303333"/>
+        <a:ext cx="9967073" cy="844089"/>
+      </dsp:txXfrm>
+    </dsp:sp>
+  </dsp:spTree>
+</dsp:drawing>
+</file>
+
+<file path=ppt/diagrams/drawing21.xml><?xml version="1.0" encoding="utf-8"?>
 <dsp:drawing xmlns:dgm="http://schemas.openxmlformats.org/drawingml/2006/diagram" xmlns:dsp="http://schemas.microsoft.com/office/drawing/2008/diagram" xmlns:a="http://schemas.openxmlformats.org/drawingml/2006/main">
   <dsp:spTree>
     <dsp:nvGrpSpPr>
@@ -21569,6 +22513,173 @@
 </dgm:layoutDef>
 </file>
 
+<file path=ppt/diagrams/layout21.xml><?xml version="1.0" encoding="utf-8"?>
+<dgm:layoutDef xmlns:dgm="http://schemas.openxmlformats.org/drawingml/2006/diagram" xmlns:a="http://schemas.openxmlformats.org/drawingml/2006/main" uniqueId="urn:microsoft.com/office/officeart/2005/8/layout/vList2">
+  <dgm:title val=""/>
+  <dgm:desc val=""/>
+  <dgm:catLst>
+    <dgm:cat type="list" pri="3000"/>
+    <dgm:cat type="convert" pri="1000"/>
+  </dgm:catLst>
+  <dgm:sampData>
+    <dgm:dataModel>
+      <dgm:ptLst>
+        <dgm:pt modelId="0" type="doc"/>
+        <dgm:pt modelId="1">
+          <dgm:prSet phldr="1"/>
+        </dgm:pt>
+        <dgm:pt modelId="11">
+          <dgm:prSet phldr="1"/>
+        </dgm:pt>
+        <dgm:pt modelId="2">
+          <dgm:prSet phldr="1"/>
+        </dgm:pt>
+        <dgm:pt modelId="21">
+          <dgm:prSet phldr="1"/>
+        </dgm:pt>
+      </dgm:ptLst>
+      <dgm:cxnLst>
+        <dgm:cxn modelId="4" srcId="0" destId="1" srcOrd="0" destOrd="0"/>
+        <dgm:cxn modelId="5" srcId="0" destId="2" srcOrd="1" destOrd="0"/>
+        <dgm:cxn modelId="12" srcId="1" destId="11" srcOrd="0" destOrd="0"/>
+        <dgm:cxn modelId="23" srcId="2" destId="21" srcOrd="0" destOrd="0"/>
+      </dgm:cxnLst>
+      <dgm:bg/>
+      <dgm:whole/>
+    </dgm:dataModel>
+  </dgm:sampData>
+  <dgm:styleData>
+    <dgm:dataModel>
+      <dgm:ptLst>
+        <dgm:pt modelId="0" type="doc"/>
+        <dgm:pt modelId="1"/>
+        <dgm:pt modelId="2"/>
+      </dgm:ptLst>
+      <dgm:cxnLst>
+        <dgm:cxn modelId="3" srcId="0" destId="1" srcOrd="0" destOrd="0"/>
+        <dgm:cxn modelId="4" srcId="0" destId="2" srcOrd="1" destOrd="0"/>
+      </dgm:cxnLst>
+      <dgm:bg/>
+      <dgm:whole/>
+    </dgm:dataModel>
+  </dgm:styleData>
+  <dgm:clrData>
+    <dgm:dataModel>
+      <dgm:ptLst>
+        <dgm:pt modelId="0" type="doc"/>
+        <dgm:pt modelId="1"/>
+        <dgm:pt modelId="2"/>
+        <dgm:pt modelId="3"/>
+        <dgm:pt modelId="4"/>
+      </dgm:ptLst>
+      <dgm:cxnLst>
+        <dgm:cxn modelId="5" srcId="0" destId="1" srcOrd="0" destOrd="0"/>
+        <dgm:cxn modelId="6" srcId="0" destId="2" srcOrd="1" destOrd="0"/>
+        <dgm:cxn modelId="7" srcId="0" destId="3" srcOrd="2" destOrd="0"/>
+        <dgm:cxn modelId="8" srcId="0" destId="4" srcOrd="3" destOrd="0"/>
+      </dgm:cxnLst>
+      <dgm:bg/>
+      <dgm:whole/>
+    </dgm:dataModel>
+  </dgm:clrData>
+  <dgm:layoutNode name="linear">
+    <dgm:varLst>
+      <dgm:animLvl val="lvl"/>
+      <dgm:resizeHandles val="exact"/>
+    </dgm:varLst>
+    <dgm:alg type="lin">
+      <dgm:param type="linDir" val="fromT"/>
+      <dgm:param type="vertAlign" val="mid"/>
+    </dgm:alg>
+    <dgm:shape xmlns:r="http://schemas.openxmlformats.org/officeDocument/2006/relationships" r:blip="">
+      <dgm:adjLst/>
+    </dgm:shape>
+    <dgm:presOf/>
+    <dgm:constrLst>
+      <dgm:constr type="w" for="ch" forName="parentText" refType="w"/>
+      <dgm:constr type="h" for="ch" forName="parentText" refType="primFontSz" refFor="ch" refForName="parentText" fact="0.52"/>
+      <dgm:constr type="w" for="ch" forName="childText" refType="w"/>
+      <dgm:constr type="h" for="ch" forName="childText" refType="primFontSz" refFor="ch" refForName="parentText" fact="0.46"/>
+      <dgm:constr type="h" for="ch" forName="parentText" op="equ"/>
+      <dgm:constr type="primFontSz" for="ch" forName="parentText" op="equ" val="65"/>
+      <dgm:constr type="primFontSz" for="ch" forName="childText" refType="primFontSz" refFor="ch" refForName="parentText" op="equ"/>
+      <dgm:constr type="h" for="ch" forName="spacer" refType="primFontSz" refFor="ch" refForName="parentText" fact="0.08"/>
+    </dgm:constrLst>
+    <dgm:ruleLst>
+      <dgm:rule type="primFontSz" for="ch" forName="parentText" val="5" fact="NaN" max="NaN"/>
+    </dgm:ruleLst>
+    <dgm:forEach name="Name0" axis="ch" ptType="node">
+      <dgm:layoutNode name="parentText" styleLbl="node1">
+        <dgm:varLst>
+          <dgm:chMax val="0"/>
+          <dgm:bulletEnabled val="1"/>
+        </dgm:varLst>
+        <dgm:alg type="tx">
+          <dgm:param type="parTxLTRAlign" val="l"/>
+          <dgm:param type="parTxRTLAlign" val="r"/>
+        </dgm:alg>
+        <dgm:shape xmlns:r="http://schemas.openxmlformats.org/officeDocument/2006/relationships" type="roundRect" r:blip="">
+          <dgm:adjLst/>
+        </dgm:shape>
+        <dgm:presOf axis="self"/>
+        <dgm:constrLst>
+          <dgm:constr type="tMarg" refType="primFontSz" fact="0.3"/>
+          <dgm:constr type="bMarg" refType="primFontSz" fact="0.3"/>
+          <dgm:constr type="lMarg" refType="primFontSz" fact="0.3"/>
+          <dgm:constr type="rMarg" refType="primFontSz" fact="0.3"/>
+        </dgm:constrLst>
+        <dgm:ruleLst>
+          <dgm:rule type="h" val="INF" fact="NaN" max="NaN"/>
+        </dgm:ruleLst>
+      </dgm:layoutNode>
+      <dgm:choose name="Name1">
+        <dgm:if name="Name2" axis="ch" ptType="node" func="cnt" op="gte" val="1">
+          <dgm:layoutNode name="childText" styleLbl="revTx">
+            <dgm:varLst>
+              <dgm:bulletEnabled val="1"/>
+            </dgm:varLst>
+            <dgm:alg type="tx">
+              <dgm:param type="stBulletLvl" val="1"/>
+              <dgm:param type="lnSpAfChP" val="20"/>
+            </dgm:alg>
+            <dgm:shape xmlns:r="http://schemas.openxmlformats.org/officeDocument/2006/relationships" type="rect" r:blip="">
+              <dgm:adjLst/>
+            </dgm:shape>
+            <dgm:presOf axis="des" ptType="node"/>
+            <dgm:constrLst>
+              <dgm:constr type="tMarg" refType="primFontSz" fact="0.1"/>
+              <dgm:constr type="bMarg" refType="primFontSz" fact="0.1"/>
+              <dgm:constr type="lMarg" refType="w" fact="0.09"/>
+            </dgm:constrLst>
+            <dgm:ruleLst>
+              <dgm:rule type="h" val="INF" fact="NaN" max="NaN"/>
+            </dgm:ruleLst>
+          </dgm:layoutNode>
+        </dgm:if>
+        <dgm:else name="Name3">
+          <dgm:choose name="Name4">
+            <dgm:if name="Name5" axis="par ch" ptType="doc node" func="cnt" op="gte" val="2">
+              <dgm:forEach name="Name6" axis="followSib" ptType="sibTrans" cnt="1">
+                <dgm:layoutNode name="spacer">
+                  <dgm:alg type="sp"/>
+                  <dgm:shape xmlns:r="http://schemas.openxmlformats.org/officeDocument/2006/relationships" r:blip="">
+                    <dgm:adjLst/>
+                  </dgm:shape>
+                  <dgm:presOf/>
+                  <dgm:constrLst/>
+                  <dgm:ruleLst/>
+                </dgm:layoutNode>
+              </dgm:forEach>
+            </dgm:if>
+            <dgm:else name="Name7"/>
+          </dgm:choose>
+        </dgm:else>
+      </dgm:choose>
+    </dgm:forEach>
+  </dgm:layoutNode>
+</dgm:layoutDef>
+</file>
+
 <file path=ppt/diagrams/layout3.xml><?xml version="1.0" encoding="utf-8"?>
 <dgm:layoutDef xmlns:dgm="http://schemas.openxmlformats.org/drawingml/2006/diagram" xmlns:a="http://schemas.openxmlformats.org/drawingml/2006/main" uniqueId="urn:microsoft.com/office/officeart/2005/8/layout/vList2">
   <dgm:title val=""/>
@@ -36180,6 +37291,1040 @@
 </dgm:styleDef>
 </file>
 
+<file path=ppt/diagrams/quickStyle21.xml><?xml version="1.0" encoding="utf-8"?>
+<dgm:styleDef xmlns:dgm="http://schemas.openxmlformats.org/drawingml/2006/diagram" xmlns:a="http://schemas.openxmlformats.org/drawingml/2006/main" uniqueId="urn:microsoft.com/office/officeart/2005/8/quickstyle/simple1">
+  <dgm:title val=""/>
+  <dgm:desc val=""/>
+  <dgm:catLst>
+    <dgm:cat type="simple" pri="10100"/>
+  </dgm:catLst>
+  <dgm:scene3d>
+    <a:camera prst="orthographicFront"/>
+    <a:lightRig rig="threePt" dir="t"/>
+  </dgm:scene3d>
+  <dgm:styleLbl name="node0">
+    <dgm:scene3d>
+      <a:camera prst="orthographicFront"/>
+      <a:lightRig rig="threePt" dir="t"/>
+    </dgm:scene3d>
+    <dgm:sp3d/>
+    <dgm:txPr/>
+    <dgm:style>
+      <a:lnRef idx="2">
+        <a:scrgbClr r="0" g="0" b="0"/>
+      </a:lnRef>
+      <a:fillRef idx="1">
+        <a:scrgbClr r="0" g="0" b="0"/>
+      </a:fillRef>
+      <a:effectRef idx="0">
+        <a:scrgbClr r="0" g="0" b="0"/>
+      </a:effectRef>
+      <a:fontRef idx="minor">
+        <a:schemeClr val="lt1"/>
+      </a:fontRef>
+    </dgm:style>
+  </dgm:styleLbl>
+  <dgm:styleLbl name="lnNode1">
+    <dgm:scene3d>
+      <a:camera prst="orthographicFront"/>
+      <a:lightRig rig="threePt" dir="t"/>
+    </dgm:scene3d>
+    <dgm:sp3d/>
+    <dgm:txPr/>
+    <dgm:style>
+      <a:lnRef idx="2">
+        <a:scrgbClr r="0" g="0" b="0"/>
+      </a:lnRef>
+      <a:fillRef idx="1">
+        <a:scrgbClr r="0" g="0" b="0"/>
+      </a:fillRef>
+      <a:effectRef idx="0">
+        <a:scrgbClr r="0" g="0" b="0"/>
+      </a:effectRef>
+      <a:fontRef idx="minor">
+        <a:schemeClr val="lt1"/>
+      </a:fontRef>
+    </dgm:style>
+  </dgm:styleLbl>
+  <dgm:styleLbl name="vennNode1">
+    <dgm:scene3d>
+      <a:camera prst="orthographicFront"/>
+      <a:lightRig rig="threePt" dir="t"/>
+    </dgm:scene3d>
+    <dgm:sp3d/>
+    <dgm:txPr/>
+    <dgm:style>
+      <a:lnRef idx="2">
+        <a:scrgbClr r="0" g="0" b="0"/>
+      </a:lnRef>
+      <a:fillRef idx="1">
+        <a:scrgbClr r="0" g="0" b="0"/>
+      </a:fillRef>
+      <a:effectRef idx="0">
+        <a:scrgbClr r="0" g="0" b="0"/>
+      </a:effectRef>
+      <a:fontRef idx="minor">
+        <a:schemeClr val="tx1"/>
+      </a:fontRef>
+    </dgm:style>
+  </dgm:styleLbl>
+  <dgm:styleLbl name="alignNode1">
+    <dgm:scene3d>
+      <a:camera prst="orthographicFront"/>
+      <a:lightRig rig="threePt" dir="t"/>
+    </dgm:scene3d>
+    <dgm:sp3d/>
+    <dgm:txPr/>
+    <dgm:style>
+      <a:lnRef idx="2">
+        <a:scrgbClr r="0" g="0" b="0"/>
+      </a:lnRef>
+      <a:fillRef idx="1">
+        <a:scrgbClr r="0" g="0" b="0"/>
+      </a:fillRef>
+      <a:effectRef idx="0">
+        <a:scrgbClr r="0" g="0" b="0"/>
+      </a:effectRef>
+      <a:fontRef idx="minor">
+        <a:schemeClr val="lt1"/>
+      </a:fontRef>
+    </dgm:style>
+  </dgm:styleLbl>
+  <dgm:styleLbl name="node1">
+    <dgm:scene3d>
+      <a:camera prst="orthographicFront"/>
+      <a:lightRig rig="threePt" dir="t"/>
+    </dgm:scene3d>
+    <dgm:sp3d/>
+    <dgm:txPr/>
+    <dgm:style>
+      <a:lnRef idx="2">
+        <a:scrgbClr r="0" g="0" b="0"/>
+      </a:lnRef>
+      <a:fillRef idx="1">
+        <a:scrgbClr r="0" g="0" b="0"/>
+      </a:fillRef>
+      <a:effectRef idx="0">
+        <a:scrgbClr r="0" g="0" b="0"/>
+      </a:effectRef>
+      <a:fontRef idx="minor">
+        <a:schemeClr val="lt1"/>
+      </a:fontRef>
+    </dgm:style>
+  </dgm:styleLbl>
+  <dgm:styleLbl name="node2">
+    <dgm:scene3d>
+      <a:camera prst="orthographicFront"/>
+      <a:lightRig rig="threePt" dir="t"/>
+    </dgm:scene3d>
+    <dgm:sp3d/>
+    <dgm:txPr/>
+    <dgm:style>
+      <a:lnRef idx="2">
+        <a:scrgbClr r="0" g="0" b="0"/>
+      </a:lnRef>
+      <a:fillRef idx="1">
+        <a:scrgbClr r="0" g="0" b="0"/>
+      </a:fillRef>
+      <a:effectRef idx="0">
+        <a:scrgbClr r="0" g="0" b="0"/>
+      </a:effectRef>
+      <a:fontRef idx="minor">
+        <a:schemeClr val="lt1"/>
+      </a:fontRef>
+    </dgm:style>
+  </dgm:styleLbl>
+  <dgm:styleLbl name="node3">
+    <dgm:scene3d>
+      <a:camera prst="orthographicFront"/>
+      <a:lightRig rig="threePt" dir="t"/>
+    </dgm:scene3d>
+    <dgm:sp3d/>
+    <dgm:txPr/>
+    <dgm:style>
+      <a:lnRef idx="2">
+        <a:scrgbClr r="0" g="0" b="0"/>
+      </a:lnRef>
+      <a:fillRef idx="1">
+        <a:scrgbClr r="0" g="0" b="0"/>
+      </a:fillRef>
+      <a:effectRef idx="0">
+        <a:scrgbClr r="0" g="0" b="0"/>
+      </a:effectRef>
+      <a:fontRef idx="minor">
+        <a:schemeClr val="lt1"/>
+      </a:fontRef>
+    </dgm:style>
+  </dgm:styleLbl>
+  <dgm:styleLbl name="node4">
+    <dgm:scene3d>
+      <a:camera prst="orthographicFront"/>
+      <a:lightRig rig="threePt" dir="t"/>
+    </dgm:scene3d>
+    <dgm:sp3d/>
+    <dgm:txPr/>
+    <dgm:style>
+      <a:lnRef idx="2">
+        <a:scrgbClr r="0" g="0" b="0"/>
+      </a:lnRef>
+      <a:fillRef idx="1">
+        <a:scrgbClr r="0" g="0" b="0"/>
+      </a:fillRef>
+      <a:effectRef idx="0">
+        <a:scrgbClr r="0" g="0" b="0"/>
+      </a:effectRef>
+      <a:fontRef idx="minor">
+        <a:schemeClr val="lt1"/>
+      </a:fontRef>
+    </dgm:style>
+  </dgm:styleLbl>
+  <dgm:styleLbl name="fgImgPlace1">
+    <dgm:scene3d>
+      <a:camera prst="orthographicFront"/>
+      <a:lightRig rig="threePt" dir="t"/>
+    </dgm:scene3d>
+    <dgm:sp3d/>
+    <dgm:txPr/>
+    <dgm:style>
+      <a:lnRef idx="2">
+        <a:scrgbClr r="0" g="0" b="0"/>
+      </a:lnRef>
+      <a:fillRef idx="1">
+        <a:scrgbClr r="0" g="0" b="0"/>
+      </a:fillRef>
+      <a:effectRef idx="0">
+        <a:scrgbClr r="0" g="0" b="0"/>
+      </a:effectRef>
+      <a:fontRef idx="minor"/>
+    </dgm:style>
+  </dgm:styleLbl>
+  <dgm:styleLbl name="alignImgPlace1">
+    <dgm:scene3d>
+      <a:camera prst="orthographicFront"/>
+      <a:lightRig rig="threePt" dir="t"/>
+    </dgm:scene3d>
+    <dgm:sp3d/>
+    <dgm:txPr/>
+    <dgm:style>
+      <a:lnRef idx="2">
+        <a:scrgbClr r="0" g="0" b="0"/>
+      </a:lnRef>
+      <a:fillRef idx="1">
+        <a:scrgbClr r="0" g="0" b="0"/>
+      </a:fillRef>
+      <a:effectRef idx="0">
+        <a:scrgbClr r="0" g="0" b="0"/>
+      </a:effectRef>
+      <a:fontRef idx="minor"/>
+    </dgm:style>
+  </dgm:styleLbl>
+  <dgm:styleLbl name="bgImgPlace1">
+    <dgm:scene3d>
+      <a:camera prst="orthographicFront"/>
+      <a:lightRig rig="threePt" dir="t"/>
+    </dgm:scene3d>
+    <dgm:sp3d/>
+    <dgm:txPr/>
+    <dgm:style>
+      <a:lnRef idx="2">
+        <a:scrgbClr r="0" g="0" b="0"/>
+      </a:lnRef>
+      <a:fillRef idx="1">
+        <a:scrgbClr r="0" g="0" b="0"/>
+      </a:fillRef>
+      <a:effectRef idx="0">
+        <a:scrgbClr r="0" g="0" b="0"/>
+      </a:effectRef>
+      <a:fontRef idx="minor"/>
+    </dgm:style>
+  </dgm:styleLbl>
+  <dgm:styleLbl name="sibTrans2D1">
+    <dgm:scene3d>
+      <a:camera prst="orthographicFront"/>
+      <a:lightRig rig="threePt" dir="t"/>
+    </dgm:scene3d>
+    <dgm:sp3d/>
+    <dgm:txPr/>
+    <dgm:style>
+      <a:lnRef idx="0">
+        <a:scrgbClr r="0" g="0" b="0"/>
+      </a:lnRef>
+      <a:fillRef idx="1">
+        <a:scrgbClr r="0" g="0" b="0"/>
+      </a:fillRef>
+      <a:effectRef idx="0">
+        <a:scrgbClr r="0" g="0" b="0"/>
+      </a:effectRef>
+      <a:fontRef idx="minor">
+        <a:schemeClr val="lt1"/>
+      </a:fontRef>
+    </dgm:style>
+  </dgm:styleLbl>
+  <dgm:styleLbl name="fgSibTrans2D1">
+    <dgm:scene3d>
+      <a:camera prst="orthographicFront"/>
+      <a:lightRig rig="threePt" dir="t"/>
+    </dgm:scene3d>
+    <dgm:sp3d/>
+    <dgm:txPr/>
+    <dgm:style>
+      <a:lnRef idx="0">
+        <a:scrgbClr r="0" g="0" b="0"/>
+      </a:lnRef>
+      <a:fillRef idx="1">
+        <a:scrgbClr r="0" g="0" b="0"/>
+      </a:fillRef>
+      <a:effectRef idx="0">
+        <a:scrgbClr r="0" g="0" b="0"/>
+      </a:effectRef>
+      <a:fontRef idx="minor">
+        <a:schemeClr val="lt1"/>
+      </a:fontRef>
+    </dgm:style>
+  </dgm:styleLbl>
+  <dgm:styleLbl name="bgSibTrans2D1">
+    <dgm:scene3d>
+      <a:camera prst="orthographicFront"/>
+      <a:lightRig rig="threePt" dir="t"/>
+    </dgm:scene3d>
+    <dgm:sp3d/>
+    <dgm:txPr/>
+    <dgm:style>
+      <a:lnRef idx="0">
+        <a:scrgbClr r="0" g="0" b="0"/>
+      </a:lnRef>
+      <a:fillRef idx="1">
+        <a:scrgbClr r="0" g="0" b="0"/>
+      </a:fillRef>
+      <a:effectRef idx="0">
+        <a:scrgbClr r="0" g="0" b="0"/>
+      </a:effectRef>
+      <a:fontRef idx="minor">
+        <a:schemeClr val="lt1"/>
+      </a:fontRef>
+    </dgm:style>
+  </dgm:styleLbl>
+  <dgm:styleLbl name="sibTrans1D1">
+    <dgm:scene3d>
+      <a:camera prst="orthographicFront"/>
+      <a:lightRig rig="threePt" dir="t"/>
+    </dgm:scene3d>
+    <dgm:sp3d/>
+    <dgm:txPr/>
+    <dgm:style>
+      <a:lnRef idx="1">
+        <a:scrgbClr r="0" g="0" b="0"/>
+      </a:lnRef>
+      <a:fillRef idx="0">
+        <a:scrgbClr r="0" g="0" b="0"/>
+      </a:fillRef>
+      <a:effectRef idx="0">
+        <a:scrgbClr r="0" g="0" b="0"/>
+      </a:effectRef>
+      <a:fontRef idx="minor"/>
+    </dgm:style>
+  </dgm:styleLbl>
+  <dgm:styleLbl name="callout">
+    <dgm:scene3d>
+      <a:camera prst="orthographicFront"/>
+      <a:lightRig rig="threePt" dir="t"/>
+    </dgm:scene3d>
+    <dgm:sp3d/>
+    <dgm:txPr/>
+    <dgm:style>
+      <a:lnRef idx="2">
+        <a:scrgbClr r="0" g="0" b="0"/>
+      </a:lnRef>
+      <a:fillRef idx="1">
+        <a:scrgbClr r="0" g="0" b="0"/>
+      </a:fillRef>
+      <a:effectRef idx="0">
+        <a:scrgbClr r="0" g="0" b="0"/>
+      </a:effectRef>
+      <a:fontRef idx="minor"/>
+    </dgm:style>
+  </dgm:styleLbl>
+  <dgm:styleLbl name="asst0">
+    <dgm:scene3d>
+      <a:camera prst="orthographicFront"/>
+      <a:lightRig rig="threePt" dir="t"/>
+    </dgm:scene3d>
+    <dgm:sp3d/>
+    <dgm:txPr/>
+    <dgm:style>
+      <a:lnRef idx="2">
+        <a:scrgbClr r="0" g="0" b="0"/>
+      </a:lnRef>
+      <a:fillRef idx="1">
+        <a:scrgbClr r="0" g="0" b="0"/>
+      </a:fillRef>
+      <a:effectRef idx="0">
+        <a:scrgbClr r="0" g="0" b="0"/>
+      </a:effectRef>
+      <a:fontRef idx="minor">
+        <a:schemeClr val="lt1"/>
+      </a:fontRef>
+    </dgm:style>
+  </dgm:styleLbl>
+  <dgm:styleLbl name="asst1">
+    <dgm:scene3d>
+      <a:camera prst="orthographicFront"/>
+      <a:lightRig rig="threePt" dir="t"/>
+    </dgm:scene3d>
+    <dgm:sp3d/>
+    <dgm:txPr/>
+    <dgm:style>
+      <a:lnRef idx="2">
+        <a:scrgbClr r="0" g="0" b="0"/>
+      </a:lnRef>
+      <a:fillRef idx="1">
+        <a:scrgbClr r="0" g="0" b="0"/>
+      </a:fillRef>
+      <a:effectRef idx="0">
+        <a:scrgbClr r="0" g="0" b="0"/>
+      </a:effectRef>
+      <a:fontRef idx="minor">
+        <a:schemeClr val="lt1"/>
+      </a:fontRef>
+    </dgm:style>
+  </dgm:styleLbl>
+  <dgm:styleLbl name="asst2">
+    <dgm:scene3d>
+      <a:camera prst="orthographicFront"/>
+      <a:lightRig rig="threePt" dir="t"/>
+    </dgm:scene3d>
+    <dgm:sp3d/>
+    <dgm:txPr/>
+    <dgm:style>
+      <a:lnRef idx="2">
+        <a:scrgbClr r="0" g="0" b="0"/>
+      </a:lnRef>
+      <a:fillRef idx="1">
+        <a:scrgbClr r="0" g="0" b="0"/>
+      </a:fillRef>
+      <a:effectRef idx="0">
+        <a:scrgbClr r="0" g="0" b="0"/>
+      </a:effectRef>
+      <a:fontRef idx="minor">
+        <a:schemeClr val="lt1"/>
+      </a:fontRef>
+    </dgm:style>
+  </dgm:styleLbl>
+  <dgm:styleLbl name="asst3">
+    <dgm:scene3d>
+      <a:camera prst="orthographicFront"/>
+      <a:lightRig rig="threePt" dir="t"/>
+    </dgm:scene3d>
+    <dgm:sp3d/>
+    <dgm:txPr/>
+    <dgm:style>
+      <a:lnRef idx="2">
+        <a:scrgbClr r="0" g="0" b="0"/>
+      </a:lnRef>
+      <a:fillRef idx="1">
+        <a:scrgbClr r="0" g="0" b="0"/>
+      </a:fillRef>
+      <a:effectRef idx="0">
+        <a:scrgbClr r="0" g="0" b="0"/>
+      </a:effectRef>
+      <a:fontRef idx="minor">
+        <a:schemeClr val="lt1"/>
+      </a:fontRef>
+    </dgm:style>
+  </dgm:styleLbl>
+  <dgm:styleLbl name="asst4">
+    <dgm:scene3d>
+      <a:camera prst="orthographicFront"/>
+      <a:lightRig rig="threePt" dir="t"/>
+    </dgm:scene3d>
+    <dgm:sp3d/>
+    <dgm:txPr/>
+    <dgm:style>
+      <a:lnRef idx="2">
+        <a:scrgbClr r="0" g="0" b="0"/>
+      </a:lnRef>
+      <a:fillRef idx="1">
+        <a:scrgbClr r="0" g="0" b="0"/>
+      </a:fillRef>
+      <a:effectRef idx="0">
+        <a:scrgbClr r="0" g="0" b="0"/>
+      </a:effectRef>
+      <a:fontRef idx="minor">
+        <a:schemeClr val="lt1"/>
+      </a:fontRef>
+    </dgm:style>
+  </dgm:styleLbl>
+  <dgm:styleLbl name="parChTrans2D1">
+    <dgm:scene3d>
+      <a:camera prst="orthographicFront"/>
+      <a:lightRig rig="threePt" dir="t"/>
+    </dgm:scene3d>
+    <dgm:sp3d/>
+    <dgm:txPr/>
+    <dgm:style>
+      <a:lnRef idx="2">
+        <a:scrgbClr r="0" g="0" b="0"/>
+      </a:lnRef>
+      <a:fillRef idx="1">
+        <a:scrgbClr r="0" g="0" b="0"/>
+      </a:fillRef>
+      <a:effectRef idx="0">
+        <a:scrgbClr r="0" g="0" b="0"/>
+      </a:effectRef>
+      <a:fontRef idx="minor">
+        <a:schemeClr val="lt1"/>
+      </a:fontRef>
+    </dgm:style>
+  </dgm:styleLbl>
+  <dgm:styleLbl name="parChTrans2D2">
+    <dgm:scene3d>
+      <a:camera prst="orthographicFront"/>
+      <a:lightRig rig="threePt" dir="t"/>
+    </dgm:scene3d>
+    <dgm:sp3d/>
+    <dgm:txPr/>
+    <dgm:style>
+      <a:lnRef idx="2">
+        <a:scrgbClr r="0" g="0" b="0"/>
+      </a:lnRef>
+      <a:fillRef idx="1">
+        <a:scrgbClr r="0" g="0" b="0"/>
+      </a:fillRef>
+      <a:effectRef idx="0">
+        <a:scrgbClr r="0" g="0" b="0"/>
+      </a:effectRef>
+      <a:fontRef idx="minor">
+        <a:schemeClr val="lt1"/>
+      </a:fontRef>
+    </dgm:style>
+  </dgm:styleLbl>
+  <dgm:styleLbl name="parChTrans2D3">
+    <dgm:scene3d>
+      <a:camera prst="orthographicFront"/>
+      <a:lightRig rig="threePt" dir="t"/>
+    </dgm:scene3d>
+    <dgm:sp3d/>
+    <dgm:txPr/>
+    <dgm:style>
+      <a:lnRef idx="2">
+        <a:scrgbClr r="0" g="0" b="0"/>
+      </a:lnRef>
+      <a:fillRef idx="1">
+        <a:scrgbClr r="0" g="0" b="0"/>
+      </a:fillRef>
+      <a:effectRef idx="0">
+        <a:scrgbClr r="0" g="0" b="0"/>
+      </a:effectRef>
+      <a:fontRef idx="minor">
+        <a:schemeClr val="lt1"/>
+      </a:fontRef>
+    </dgm:style>
+  </dgm:styleLbl>
+  <dgm:styleLbl name="parChTrans2D4">
+    <dgm:scene3d>
+      <a:camera prst="orthographicFront"/>
+      <a:lightRig rig="threePt" dir="t"/>
+    </dgm:scene3d>
+    <dgm:sp3d/>
+    <dgm:txPr/>
+    <dgm:style>
+      <a:lnRef idx="2">
+        <a:scrgbClr r="0" g="0" b="0"/>
+      </a:lnRef>
+      <a:fillRef idx="1">
+        <a:scrgbClr r="0" g="0" b="0"/>
+      </a:fillRef>
+      <a:effectRef idx="0">
+        <a:scrgbClr r="0" g="0" b="0"/>
+      </a:effectRef>
+      <a:fontRef idx="minor">
+        <a:schemeClr val="lt1"/>
+      </a:fontRef>
+    </dgm:style>
+  </dgm:styleLbl>
+  <dgm:styleLbl name="parChTrans1D1">
+    <dgm:scene3d>
+      <a:camera prst="orthographicFront"/>
+      <a:lightRig rig="threePt" dir="t"/>
+    </dgm:scene3d>
+    <dgm:sp3d/>
+    <dgm:txPr/>
+    <dgm:style>
+      <a:lnRef idx="2">
+        <a:scrgbClr r="0" g="0" b="0"/>
+      </a:lnRef>
+      <a:fillRef idx="0">
+        <a:scrgbClr r="0" g="0" b="0"/>
+      </a:fillRef>
+      <a:effectRef idx="0">
+        <a:scrgbClr r="0" g="0" b="0"/>
+      </a:effectRef>
+      <a:fontRef idx="minor"/>
+    </dgm:style>
+  </dgm:styleLbl>
+  <dgm:styleLbl name="parChTrans1D2">
+    <dgm:scene3d>
+      <a:camera prst="orthographicFront"/>
+      <a:lightRig rig="threePt" dir="t"/>
+    </dgm:scene3d>
+    <dgm:sp3d/>
+    <dgm:txPr/>
+    <dgm:style>
+      <a:lnRef idx="2">
+        <a:scrgbClr r="0" g="0" b="0"/>
+      </a:lnRef>
+      <a:fillRef idx="0">
+        <a:scrgbClr r="0" g="0" b="0"/>
+      </a:fillRef>
+      <a:effectRef idx="0">
+        <a:scrgbClr r="0" g="0" b="0"/>
+      </a:effectRef>
+      <a:fontRef idx="minor"/>
+    </dgm:style>
+  </dgm:styleLbl>
+  <dgm:styleLbl name="parChTrans1D3">
+    <dgm:scene3d>
+      <a:camera prst="orthographicFront"/>
+      <a:lightRig rig="threePt" dir="t"/>
+    </dgm:scene3d>
+    <dgm:sp3d/>
+    <dgm:txPr/>
+    <dgm:style>
+      <a:lnRef idx="2">
+        <a:scrgbClr r="0" g="0" b="0"/>
+      </a:lnRef>
+      <a:fillRef idx="0">
+        <a:scrgbClr r="0" g="0" b="0"/>
+      </a:fillRef>
+      <a:effectRef idx="0">
+        <a:scrgbClr r="0" g="0" b="0"/>
+      </a:effectRef>
+      <a:fontRef idx="minor"/>
+    </dgm:style>
+  </dgm:styleLbl>
+  <dgm:styleLbl name="parChTrans1D4">
+    <dgm:scene3d>
+      <a:camera prst="orthographicFront"/>
+      <a:lightRig rig="threePt" dir="t"/>
+    </dgm:scene3d>
+    <dgm:sp3d/>
+    <dgm:txPr/>
+    <dgm:style>
+      <a:lnRef idx="2">
+        <a:scrgbClr r="0" g="0" b="0"/>
+      </a:lnRef>
+      <a:fillRef idx="0">
+        <a:scrgbClr r="0" g="0" b="0"/>
+      </a:fillRef>
+      <a:effectRef idx="0">
+        <a:scrgbClr r="0" g="0" b="0"/>
+      </a:effectRef>
+      <a:fontRef idx="minor"/>
+    </dgm:style>
+  </dgm:styleLbl>
+  <dgm:styleLbl name="fgAcc1">
+    <dgm:scene3d>
+      <a:camera prst="orthographicFront"/>
+      <a:lightRig rig="threePt" dir="t"/>
+    </dgm:scene3d>
+    <dgm:sp3d/>
+    <dgm:txPr/>
+    <dgm:style>
+      <a:lnRef idx="2">
+        <a:scrgbClr r="0" g="0" b="0"/>
+      </a:lnRef>
+      <a:fillRef idx="1">
+        <a:scrgbClr r="0" g="0" b="0"/>
+      </a:fillRef>
+      <a:effectRef idx="0">
+        <a:scrgbClr r="0" g="0" b="0"/>
+      </a:effectRef>
+      <a:fontRef idx="minor"/>
+    </dgm:style>
+  </dgm:styleLbl>
+  <dgm:styleLbl name="conFgAcc1">
+    <dgm:scene3d>
+      <a:camera prst="orthographicFront"/>
+      <a:lightRig rig="threePt" dir="t"/>
+    </dgm:scene3d>
+    <dgm:sp3d/>
+    <dgm:txPr/>
+    <dgm:style>
+      <a:lnRef idx="2">
+        <a:scrgbClr r="0" g="0" b="0"/>
+      </a:lnRef>
+      <a:fillRef idx="1">
+        <a:scrgbClr r="0" g="0" b="0"/>
+      </a:fillRef>
+      <a:effectRef idx="0">
+        <a:scrgbClr r="0" g="0" b="0"/>
+      </a:effectRef>
+      <a:fontRef idx="minor"/>
+    </dgm:style>
+  </dgm:styleLbl>
+  <dgm:styleLbl name="alignAcc1">
+    <dgm:scene3d>
+      <a:camera prst="orthographicFront"/>
+      <a:lightRig rig="threePt" dir="t"/>
+    </dgm:scene3d>
+    <dgm:sp3d/>
+    <dgm:txPr/>
+    <dgm:style>
+      <a:lnRef idx="2">
+        <a:scrgbClr r="0" g="0" b="0"/>
+      </a:lnRef>
+      <a:fillRef idx="1">
+        <a:scrgbClr r="0" g="0" b="0"/>
+      </a:fillRef>
+      <a:effectRef idx="0">
+        <a:scrgbClr r="0" g="0" b="0"/>
+      </a:effectRef>
+      <a:fontRef idx="minor"/>
+    </dgm:style>
+  </dgm:styleLbl>
+  <dgm:styleLbl name="trAlignAcc1">
+    <dgm:scene3d>
+      <a:camera prst="orthographicFront"/>
+      <a:lightRig rig="threePt" dir="t"/>
+    </dgm:scene3d>
+    <dgm:sp3d/>
+    <dgm:txPr/>
+    <dgm:style>
+      <a:lnRef idx="1">
+        <a:scrgbClr r="0" g="0" b="0"/>
+      </a:lnRef>
+      <a:fillRef idx="1">
+        <a:scrgbClr r="0" g="0" b="0"/>
+      </a:fillRef>
+      <a:effectRef idx="0">
+        <a:scrgbClr r="0" g="0" b="0"/>
+      </a:effectRef>
+      <a:fontRef idx="minor"/>
+    </dgm:style>
+  </dgm:styleLbl>
+  <dgm:styleLbl name="bgAcc1">
+    <dgm:scene3d>
+      <a:camera prst="orthographicFront"/>
+      <a:lightRig rig="threePt" dir="t"/>
+    </dgm:scene3d>
+    <dgm:sp3d/>
+    <dgm:txPr/>
+    <dgm:style>
+      <a:lnRef idx="2">
+        <a:scrgbClr r="0" g="0" b="0"/>
+      </a:lnRef>
+      <a:fillRef idx="1">
+        <a:scrgbClr r="0" g="0" b="0"/>
+      </a:fillRef>
+      <a:effectRef idx="0">
+        <a:scrgbClr r="0" g="0" b="0"/>
+      </a:effectRef>
+      <a:fontRef idx="minor"/>
+    </dgm:style>
+  </dgm:styleLbl>
+  <dgm:styleLbl name="solidFgAcc1">
+    <dgm:scene3d>
+      <a:camera prst="orthographicFront"/>
+      <a:lightRig rig="threePt" dir="t"/>
+    </dgm:scene3d>
+    <dgm:sp3d/>
+    <dgm:txPr/>
+    <dgm:style>
+      <a:lnRef idx="2">
+        <a:scrgbClr r="0" g="0" b="0"/>
+      </a:lnRef>
+      <a:fillRef idx="1">
+        <a:scrgbClr r="0" g="0" b="0"/>
+      </a:fillRef>
+      <a:effectRef idx="0">
+        <a:scrgbClr r="0" g="0" b="0"/>
+      </a:effectRef>
+      <a:fontRef idx="minor"/>
+    </dgm:style>
+  </dgm:styleLbl>
+  <dgm:styleLbl name="solidAlignAcc1">
+    <dgm:scene3d>
+      <a:camera prst="orthographicFront"/>
+      <a:lightRig rig="threePt" dir="t"/>
+    </dgm:scene3d>
+    <dgm:sp3d/>
+    <dgm:txPr/>
+    <dgm:style>
+      <a:lnRef idx="2">
+        <a:scrgbClr r="0" g="0" b="0"/>
+      </a:lnRef>
+      <a:fillRef idx="1">
+        <a:scrgbClr r="0" g="0" b="0"/>
+      </a:fillRef>
+      <a:effectRef idx="0">
+        <a:scrgbClr r="0" g="0" b="0"/>
+      </a:effectRef>
+      <a:fontRef idx="minor"/>
+    </dgm:style>
+  </dgm:styleLbl>
+  <dgm:styleLbl name="solidBgAcc1">
+    <dgm:scene3d>
+      <a:camera prst="orthographicFront"/>
+      <a:lightRig rig="threePt" dir="t"/>
+    </dgm:scene3d>
+    <dgm:sp3d/>
+    <dgm:txPr/>
+    <dgm:style>
+      <a:lnRef idx="2">
+        <a:scrgbClr r="0" g="0" b="0"/>
+      </a:lnRef>
+      <a:fillRef idx="1">
+        <a:scrgbClr r="0" g="0" b="0"/>
+      </a:fillRef>
+      <a:effectRef idx="0">
+        <a:scrgbClr r="0" g="0" b="0"/>
+      </a:effectRef>
+      <a:fontRef idx="minor"/>
+    </dgm:style>
+  </dgm:styleLbl>
+  <dgm:styleLbl name="fgAccFollowNode1">
+    <dgm:scene3d>
+      <a:camera prst="orthographicFront"/>
+      <a:lightRig rig="threePt" dir="t"/>
+    </dgm:scene3d>
+    <dgm:sp3d/>
+    <dgm:txPr/>
+    <dgm:style>
+      <a:lnRef idx="2">
+        <a:scrgbClr r="0" g="0" b="0"/>
+      </a:lnRef>
+      <a:fillRef idx="1">
+        <a:scrgbClr r="0" g="0" b="0"/>
+      </a:fillRef>
+      <a:effectRef idx="0">
+        <a:scrgbClr r="0" g="0" b="0"/>
+      </a:effectRef>
+      <a:fontRef idx="minor"/>
+    </dgm:style>
+  </dgm:styleLbl>
+  <dgm:styleLbl name="alignAccFollowNode1">
+    <dgm:scene3d>
+      <a:camera prst="orthographicFront"/>
+      <a:lightRig rig="threePt" dir="t"/>
+    </dgm:scene3d>
+    <dgm:sp3d/>
+    <dgm:txPr/>
+    <dgm:style>
+      <a:lnRef idx="2">
+        <a:scrgbClr r="0" g="0" b="0"/>
+      </a:lnRef>
+      <a:fillRef idx="1">
+        <a:scrgbClr r="0" g="0" b="0"/>
+      </a:fillRef>
+      <a:effectRef idx="0">
+        <a:scrgbClr r="0" g="0" b="0"/>
+      </a:effectRef>
+      <a:fontRef idx="minor"/>
+    </dgm:style>
+  </dgm:styleLbl>
+  <dgm:styleLbl name="bgAccFollowNode1">
+    <dgm:scene3d>
+      <a:camera prst="orthographicFront"/>
+      <a:lightRig rig="threePt" dir="t"/>
+    </dgm:scene3d>
+    <dgm:sp3d/>
+    <dgm:txPr/>
+    <dgm:style>
+      <a:lnRef idx="2">
+        <a:scrgbClr r="0" g="0" b="0"/>
+      </a:lnRef>
+      <a:fillRef idx="1">
+        <a:scrgbClr r="0" g="0" b="0"/>
+      </a:fillRef>
+      <a:effectRef idx="0">
+        <a:scrgbClr r="0" g="0" b="0"/>
+      </a:effectRef>
+      <a:fontRef idx="minor"/>
+    </dgm:style>
+  </dgm:styleLbl>
+  <dgm:styleLbl name="fgAcc0">
+    <dgm:scene3d>
+      <a:camera prst="orthographicFront"/>
+      <a:lightRig rig="threePt" dir="t"/>
+    </dgm:scene3d>
+    <dgm:sp3d/>
+    <dgm:txPr/>
+    <dgm:style>
+      <a:lnRef idx="2">
+        <a:scrgbClr r="0" g="0" b="0"/>
+      </a:lnRef>
+      <a:fillRef idx="1">
+        <a:scrgbClr r="0" g="0" b="0"/>
+      </a:fillRef>
+      <a:effectRef idx="0">
+        <a:scrgbClr r="0" g="0" b="0"/>
+      </a:effectRef>
+      <a:fontRef idx="minor"/>
+    </dgm:style>
+  </dgm:styleLbl>
+  <dgm:styleLbl name="fgAcc2">
+    <dgm:scene3d>
+      <a:camera prst="orthographicFront"/>
+      <a:lightRig rig="threePt" dir="t"/>
+    </dgm:scene3d>
+    <dgm:sp3d/>
+    <dgm:txPr/>
+    <dgm:style>
+      <a:lnRef idx="2">
+        <a:scrgbClr r="0" g="0" b="0"/>
+      </a:lnRef>
+      <a:fillRef idx="1">
+        <a:scrgbClr r="0" g="0" b="0"/>
+      </a:fillRef>
+      <a:effectRef idx="0">
+        <a:scrgbClr r="0" g="0" b="0"/>
+      </a:effectRef>
+      <a:fontRef idx="minor"/>
+    </dgm:style>
+  </dgm:styleLbl>
+  <dgm:styleLbl name="fgAcc3">
+    <dgm:scene3d>
+      <a:camera prst="orthographicFront"/>
+      <a:lightRig rig="threePt" dir="t"/>
+    </dgm:scene3d>
+    <dgm:sp3d/>
+    <dgm:txPr/>
+    <dgm:style>
+      <a:lnRef idx="2">
+        <a:scrgbClr r="0" g="0" b="0"/>
+      </a:lnRef>
+      <a:fillRef idx="1">
+        <a:scrgbClr r="0" g="0" b="0"/>
+      </a:fillRef>
+      <a:effectRef idx="0">
+        <a:scrgbClr r="0" g="0" b="0"/>
+      </a:effectRef>
+      <a:fontRef idx="minor"/>
+    </dgm:style>
+  </dgm:styleLbl>
+  <dgm:styleLbl name="fgAcc4">
+    <dgm:scene3d>
+      <a:camera prst="orthographicFront"/>
+      <a:lightRig rig="threePt" dir="t"/>
+    </dgm:scene3d>
+    <dgm:sp3d/>
+    <dgm:txPr/>
+    <dgm:style>
+      <a:lnRef idx="2">
+        <a:scrgbClr r="0" g="0" b="0"/>
+      </a:lnRef>
+      <a:fillRef idx="1">
+        <a:scrgbClr r="0" g="0" b="0"/>
+      </a:fillRef>
+      <a:effectRef idx="0">
+        <a:scrgbClr r="0" g="0" b="0"/>
+      </a:effectRef>
+      <a:fontRef idx="minor"/>
+    </dgm:style>
+  </dgm:styleLbl>
+  <dgm:styleLbl name="bgShp">
+    <dgm:scene3d>
+      <a:camera prst="orthographicFront"/>
+      <a:lightRig rig="threePt" dir="t"/>
+    </dgm:scene3d>
+    <dgm:sp3d/>
+    <dgm:txPr/>
+    <dgm:style>
+      <a:lnRef idx="0">
+        <a:scrgbClr r="0" g="0" b="0"/>
+      </a:lnRef>
+      <a:fillRef idx="1">
+        <a:scrgbClr r="0" g="0" b="0"/>
+      </a:fillRef>
+      <a:effectRef idx="0">
+        <a:scrgbClr r="0" g="0" b="0"/>
+      </a:effectRef>
+      <a:fontRef idx="minor"/>
+    </dgm:style>
+  </dgm:styleLbl>
+  <dgm:styleLbl name="dkBgShp">
+    <dgm:scene3d>
+      <a:camera prst="orthographicFront"/>
+      <a:lightRig rig="threePt" dir="t"/>
+    </dgm:scene3d>
+    <dgm:sp3d/>
+    <dgm:txPr/>
+    <dgm:style>
+      <a:lnRef idx="0">
+        <a:scrgbClr r="0" g="0" b="0"/>
+      </a:lnRef>
+      <a:fillRef idx="1">
+        <a:scrgbClr r="0" g="0" b="0"/>
+      </a:fillRef>
+      <a:effectRef idx="0">
+        <a:scrgbClr r="0" g="0" b="0"/>
+      </a:effectRef>
+      <a:fontRef idx="minor"/>
+    </dgm:style>
+  </dgm:styleLbl>
+  <dgm:styleLbl name="trBgShp">
+    <dgm:scene3d>
+      <a:camera prst="orthographicFront"/>
+      <a:lightRig rig="threePt" dir="t"/>
+    </dgm:scene3d>
+    <dgm:sp3d/>
+    <dgm:txPr/>
+    <dgm:style>
+      <a:lnRef idx="0">
+        <a:scrgbClr r="0" g="0" b="0"/>
+      </a:lnRef>
+      <a:fillRef idx="1">
+        <a:scrgbClr r="0" g="0" b="0"/>
+      </a:fillRef>
+      <a:effectRef idx="0">
+        <a:scrgbClr r="0" g="0" b="0"/>
+      </a:effectRef>
+      <a:fontRef idx="minor"/>
+    </dgm:style>
+  </dgm:styleLbl>
+  <dgm:styleLbl name="fgShp">
+    <dgm:scene3d>
+      <a:camera prst="orthographicFront"/>
+      <a:lightRig rig="threePt" dir="t"/>
+    </dgm:scene3d>
+    <dgm:sp3d/>
+    <dgm:txPr/>
+    <dgm:style>
+      <a:lnRef idx="2">
+        <a:scrgbClr r="0" g="0" b="0"/>
+      </a:lnRef>
+      <a:fillRef idx="1">
+        <a:scrgbClr r="0" g="0" b="0"/>
+      </a:fillRef>
+      <a:effectRef idx="0">
+        <a:scrgbClr r="0" g="0" b="0"/>
+      </a:effectRef>
+      <a:fontRef idx="minor"/>
+    </dgm:style>
+  </dgm:styleLbl>
+  <dgm:styleLbl name="revTx">
+    <dgm:scene3d>
+      <a:camera prst="orthographicFront"/>
+      <a:lightRig rig="threePt" dir="t"/>
+    </dgm:scene3d>
+    <dgm:sp3d/>
+    <dgm:txPr/>
+    <dgm:style>
+      <a:lnRef idx="0">
+        <a:scrgbClr r="0" g="0" b="0"/>
+      </a:lnRef>
+      <a:fillRef idx="0">
+        <a:scrgbClr r="0" g="0" b="0"/>
+      </a:fillRef>
+      <a:effectRef idx="0">
+        <a:scrgbClr r="0" g="0" b="0"/>
+      </a:effectRef>
+      <a:fontRef idx="minor"/>
+    </dgm:style>
+  </dgm:styleLbl>
+</dgm:styleDef>
+</file>
+
 <file path=ppt/diagrams/quickStyle3.xml><?xml version="1.0" encoding="utf-8"?>
 <dgm:styleDef xmlns:dgm="http://schemas.openxmlformats.org/drawingml/2006/diagram" xmlns:a="http://schemas.openxmlformats.org/drawingml/2006/main" uniqueId="urn:microsoft.com/office/officeart/2005/8/quickstyle/simple1">
   <dgm:title val=""/>
@@ -43500,7 +45645,7 @@
           <a:p>
             <a:fld id="{9497DE0D-A21B-4C08-B7CF-2F5E4FCB8842}" type="datetimeFigureOut">
               <a:rPr lang="en-US" smtClean="0"/>
-              <a:t>12/13/2017</a:t>
+              <a:t>12/14/2017</a:t>
             </a:fld>
             <a:endParaRPr lang="en-US"/>
           </a:p>
@@ -44078,7 +46223,7 @@
           <a:p>
             <a:fld id="{5A80FADA-B455-4586-9486-71DCB32D680F}" type="datetime1">
               <a:rPr lang="en-US" smtClean="0"/>
-              <a:t>12/13/2017</a:t>
+              <a:t>12/14/2017</a:t>
             </a:fld>
             <a:endParaRPr lang="en-US"/>
           </a:p>
@@ -44286,7 +46431,7 @@
           <a:p>
             <a:fld id="{D5D0012B-60F4-4EE3-8C59-4EDA4DF6E088}" type="datetime1">
               <a:rPr lang="en-US" smtClean="0"/>
-              <a:t>12/13/2017</a:t>
+              <a:t>12/14/2017</a:t>
             </a:fld>
             <a:endParaRPr lang="en-US"/>
           </a:p>
@@ -44542,7 +46687,7 @@
           <a:p>
             <a:fld id="{E1C1D2D9-3FA0-4F5B-86A9-5342F0DCA475}" type="datetime1">
               <a:rPr lang="en-US" smtClean="0"/>
-              <a:t>12/13/2017</a:t>
+              <a:t>12/14/2017</a:t>
             </a:fld>
             <a:endParaRPr lang="en-US"/>
           </a:p>
@@ -44716,7 +46861,7 @@
           <a:p>
             <a:fld id="{3BB8659B-F697-4CA5-A189-A893E1811B2F}" type="datetime1">
               <a:rPr lang="en-US" smtClean="0"/>
-              <a:t>12/13/2017</a:t>
+              <a:t>12/14/2017</a:t>
             </a:fld>
             <a:endParaRPr lang="en-US"/>
           </a:p>
@@ -45059,7 +47204,7 @@
           <a:p>
             <a:fld id="{6F5A623A-6B25-4EC4-9D12-242582432EF1}" type="datetime1">
               <a:rPr lang="en-US" smtClean="0"/>
-              <a:t>12/13/2017</a:t>
+              <a:t>12/14/2017</a:t>
             </a:fld>
             <a:endParaRPr lang="en-US"/>
           </a:p>
@@ -45334,7 +47479,7 @@
           <a:p>
             <a:fld id="{39C9C895-6E12-4770-B7B4-40332BD91112}" type="datetime1">
               <a:rPr lang="en-US" smtClean="0"/>
-              <a:t>12/13/2017</a:t>
+              <a:t>12/14/2017</a:t>
             </a:fld>
             <a:endParaRPr lang="en-US"/>
           </a:p>
@@ -45713,7 +47858,7 @@
           <a:p>
             <a:fld id="{D026B190-E7E8-4A43-BD52-6599BCCAC3A8}" type="datetime1">
               <a:rPr lang="en-US" smtClean="0"/>
-              <a:t>12/13/2017</a:t>
+              <a:t>12/14/2017</a:t>
             </a:fld>
             <a:endParaRPr lang="en-US"/>
           </a:p>
@@ -45831,7 +47976,7 @@
           <a:p>
             <a:fld id="{4F51DACE-6276-4E92-95E1-52AED83E7C34}" type="datetime1">
               <a:rPr lang="en-US" smtClean="0"/>
-              <a:t>12/13/2017</a:t>
+              <a:t>12/14/2017</a:t>
             </a:fld>
             <a:endParaRPr lang="en-US"/>
           </a:p>
@@ -46002,7 +48147,7 @@
           <a:p>
             <a:fld id="{8593EE81-54D1-4EA3-BE26-E72BFC31BFD9}" type="datetime1">
               <a:rPr lang="en-US" smtClean="0"/>
-              <a:t>12/13/2017</a:t>
+              <a:t>12/14/2017</a:t>
             </a:fld>
             <a:endParaRPr lang="en-US"/>
           </a:p>
@@ -46356,7 +48501,7 @@
           <a:p>
             <a:fld id="{EBC51B99-3010-47E0-83E3-6A129EAD3E24}" type="datetime1">
               <a:rPr lang="en-US" smtClean="0"/>
-              <a:t>12/13/2017</a:t>
+              <a:t>12/14/2017</a:t>
             </a:fld>
             <a:endParaRPr lang="en-US"/>
           </a:p>
@@ -46738,7 +48883,7 @@
           <a:p>
             <a:fld id="{3C37179B-E71B-4128-9155-0A9E70AB7381}" type="datetime1">
               <a:rPr lang="en-US" smtClean="0"/>
-              <a:t>12/13/2017</a:t>
+              <a:t>12/14/2017</a:t>
             </a:fld>
             <a:endParaRPr lang="en-US"/>
           </a:p>
@@ -47025,7 +49170,7 @@
           <a:p>
             <a:fld id="{18F43B41-660F-4F07-B4E0-38C1A456ADB0}" type="datetime1">
               <a:rPr lang="en-US" smtClean="0"/>
-              <a:t>12/13/2017</a:t>
+              <a:t>12/14/2017</a:t>
             </a:fld>
             <a:endParaRPr lang="en-US"/>
           </a:p>
@@ -50496,43 +52641,28 @@
           <a:chExt cx="0" cy="0"/>
         </a:xfrm>
       </p:grpSpPr>
-      <p:sp>
-        <p:nvSpPr>
-          <p:cNvPr id="2" name="Title 1"/>
-          <p:cNvSpPr>
-            <a:spLocks noGrp="1"/>
-          </p:cNvSpPr>
+      <p:graphicFrame>
+        <p:nvGraphicFramePr>
+          <p:cNvPr id="11" name="Diagram 10"/>
+          <p:cNvGraphicFramePr/>
           <p:nvPr>
-            <p:ph type="title"/>
+            <p:extLst>
+              <p:ext uri="{D42A27DB-BD31-4B8C-83A1-F6EECF244321}">
+                <p14:modId xmlns:p14="http://schemas.microsoft.com/office/powerpoint/2010/main" val="397708054"/>
+              </p:ext>
+            </p:extLst>
           </p:nvPr>
-        </p:nvSpPr>
-        <p:spPr/>
-        <p:txBody>
-          <a:bodyPr>
-            <a:normAutofit fontScale="90000"/>
-          </a:bodyPr>
-          <a:lstStyle/>
-          <a:p>
-            <a:pPr lvl="0"/>
-            <a:r>
-              <a:rPr lang="en-US" dirty="0"/>
-              <a:t>Results: </a:t>
-            </a:r>
-            <a:r>
-              <a:rPr lang="en-US" dirty="0" smtClean="0"/>
-              <a:t>Answer Detection (Single features</a:t>
-            </a:r>
-            <a:r>
-              <a:rPr lang="en-US" dirty="0"/>
-              <a:t>)</a:t>
-            </a:r>
-            <a:br>
-              <a:rPr lang="en-US" dirty="0"/>
-            </a:br>
-            <a:endParaRPr lang="en-US" dirty="0"/>
-          </a:p>
-        </p:txBody>
-      </p:sp>
+        </p:nvGraphicFramePr>
+        <p:xfrm>
+          <a:off x="1097280" y="286603"/>
+          <a:ext cx="10058400" cy="1450757"/>
+        </p:xfrm>
+        <a:graphic>
+          <a:graphicData uri="http://schemas.openxmlformats.org/drawingml/2006/diagram">
+            <dgm:relIds xmlns:dgm="http://schemas.openxmlformats.org/drawingml/2006/diagram" xmlns:r="http://schemas.openxmlformats.org/officeDocument/2006/relationships" r:dm="rId2" r:lo="rId3" r:qs="rId4" r:cs="rId5"/>
+          </a:graphicData>
+        </a:graphic>
+      </p:graphicFrame>
       <p:pic>
         <p:nvPicPr>
           <p:cNvPr id="4" name="Picture 3"/>
@@ -50542,7 +52672,7 @@
           <p:nvPr/>
         </p:nvPicPr>
         <p:blipFill>
-          <a:blip r:embed="rId2"/>
+          <a:blip r:embed="rId7"/>
           <a:stretch>
             <a:fillRect/>
           </a:stretch>
@@ -50566,7 +52696,7 @@
           <p:nvPr/>
         </p:nvPicPr>
         <p:blipFill>
-          <a:blip r:embed="rId3"/>
+          <a:blip r:embed="rId8"/>
           <a:stretch>
             <a:fillRect/>
           </a:stretch>
